--- a/docs/final_figures_icdcs.pptx
+++ b/docs/final_figures_icdcs.pptx
@@ -5,10 +5,11 @@
     <p:sldMasterId id="2147483648" r:id="rId1"/>
   </p:sldMasterIdLst>
   <p:notesMasterIdLst>
-    <p:notesMasterId r:id="rId3"/>
+    <p:notesMasterId r:id="rId4"/>
   </p:notesMasterIdLst>
   <p:sldIdLst>
-    <p:sldId id="257" r:id="rId2"/>
+    <p:sldId id="273" r:id="rId2"/>
+    <p:sldId id="274" r:id="rId3"/>
   </p:sldIdLst>
   <p:sldSz cx="12192000" cy="6858000"/>
   <p:notesSz cx="6858000" cy="9144000"/>
@@ -107,6 +108,11 @@
       </a:defRPr>
     </a:lvl9pPr>
   </p:defaultTextStyle>
+  <p:extLst>
+    <p:ext uri="{EFAFB233-063F-42B5-8137-9DF3F51BA10A}">
+      <p15:sldGuideLst xmlns:p15="http://schemas.microsoft.com/office/powerpoint/2012/main"/>
+    </p:ext>
+  </p:extLst>
 </p:presentation>
 </file>
 
@@ -192,7 +198,7 @@
           <a:p>
             <a:fld id="{077F9B04-F779-4EF2-A032-935F5A97CC43}" type="datetimeFigureOut">
               <a:rPr lang="zh-CN" altLang="en-US" smtClean="0"/>
-              <a:t>2020/1/13</a:t>
+              <a:t>2020/1/14</a:t>
             </a:fld>
             <a:endParaRPr lang="zh-CN" altLang="en-US"/>
           </a:p>
@@ -256,38 +262,37 @@
           <a:p>
             <a:pPr lvl="0"/>
             <a:r>
-              <a:rPr lang="zh-CN" altLang="en-US" smtClean="0"/>
+              <a:rPr lang="zh-CN" altLang="en-US"/>
               <a:t>编辑母版文本样式</a:t>
             </a:r>
           </a:p>
           <a:p>
             <a:pPr lvl="1"/>
             <a:r>
-              <a:rPr lang="zh-CN" altLang="en-US" smtClean="0"/>
+              <a:rPr lang="zh-CN" altLang="en-US"/>
               <a:t>第二级</a:t>
             </a:r>
           </a:p>
           <a:p>
             <a:pPr lvl="2"/>
             <a:r>
-              <a:rPr lang="zh-CN" altLang="en-US" smtClean="0"/>
+              <a:rPr lang="zh-CN" altLang="en-US"/>
               <a:t>第三级</a:t>
             </a:r>
           </a:p>
           <a:p>
             <a:pPr lvl="3"/>
             <a:r>
-              <a:rPr lang="zh-CN" altLang="en-US" smtClean="0"/>
+              <a:rPr lang="zh-CN" altLang="en-US"/>
               <a:t>第四级</a:t>
             </a:r>
           </a:p>
           <a:p>
             <a:pPr lvl="4"/>
             <a:r>
-              <a:rPr lang="zh-CN" altLang="en-US" smtClean="0"/>
+              <a:rPr lang="zh-CN" altLang="en-US"/>
               <a:t>第五级</a:t>
             </a:r>
-            <a:endParaRPr lang="zh-CN" altLang="en-US"/>
           </a:p>
         </p:txBody>
       </p:sp>
@@ -460,90 +465,6 @@
 </p:notesMaster>
 </file>
 
-<file path=ppt/notesSlides/notesSlide1.xml><?xml version="1.0" encoding="utf-8"?>
-<p:notes xmlns:a="http://schemas.openxmlformats.org/drawingml/2006/main" xmlns:r="http://schemas.openxmlformats.org/officeDocument/2006/relationships" xmlns:p="http://schemas.openxmlformats.org/presentationml/2006/main">
-  <p:cSld>
-    <p:spTree>
-      <p:nvGrpSpPr>
-        <p:cNvPr id="1" name=""/>
-        <p:cNvGrpSpPr/>
-        <p:nvPr/>
-      </p:nvGrpSpPr>
-      <p:grpSpPr>
-        <a:xfrm>
-          <a:off x="0" y="0"/>
-          <a:ext cx="0" cy="0"/>
-          <a:chOff x="0" y="0"/>
-          <a:chExt cx="0" cy="0"/>
-        </a:xfrm>
-      </p:grpSpPr>
-      <p:sp>
-        <p:nvSpPr>
-          <p:cNvPr id="2" name="幻灯片图像占位符 1"/>
-          <p:cNvSpPr>
-            <a:spLocks noGrp="1" noRot="1" noChangeAspect="1"/>
-          </p:cNvSpPr>
-          <p:nvPr>
-            <p:ph type="sldImg"/>
-          </p:nvPr>
-        </p:nvSpPr>
-        <p:spPr/>
-      </p:sp>
-      <p:sp>
-        <p:nvSpPr>
-          <p:cNvPr id="3" name="备注占位符 2"/>
-          <p:cNvSpPr>
-            <a:spLocks noGrp="1"/>
-          </p:cNvSpPr>
-          <p:nvPr>
-            <p:ph type="body" idx="1"/>
-          </p:nvPr>
-        </p:nvSpPr>
-        <p:spPr/>
-        <p:txBody>
-          <a:bodyPr/>
-          <a:lstStyle/>
-          <a:p>
-            <a:endParaRPr lang="zh-CN" altLang="en-US" dirty="0"/>
-          </a:p>
-        </p:txBody>
-      </p:sp>
-      <p:sp>
-        <p:nvSpPr>
-          <p:cNvPr id="4" name="灯片编号占位符 3"/>
-          <p:cNvSpPr>
-            <a:spLocks noGrp="1"/>
-          </p:cNvSpPr>
-          <p:nvPr>
-            <p:ph type="sldNum" sz="quarter" idx="10"/>
-          </p:nvPr>
-        </p:nvSpPr>
-        <p:spPr/>
-        <p:txBody>
-          <a:bodyPr/>
-          <a:lstStyle/>
-          <a:p>
-            <a:fld id="{C1FE7ECD-68B9-4EDF-AC75-7FE2213FCCAD}" type="slidenum">
-              <a:rPr lang="zh-CN" altLang="en-US" smtClean="0"/>
-              <a:t>1</a:t>
-            </a:fld>
-            <a:endParaRPr lang="zh-CN" altLang="en-US"/>
-          </a:p>
-        </p:txBody>
-      </p:sp>
-    </p:spTree>
-    <p:extLst>
-      <p:ext uri="{BB962C8B-B14F-4D97-AF65-F5344CB8AC3E}">
-        <p14:creationId xmlns:p14="http://schemas.microsoft.com/office/powerpoint/2010/main" val="3604952604"/>
-      </p:ext>
-    </p:extLst>
-  </p:cSld>
-  <p:clrMapOvr>
-    <a:masterClrMapping/>
-  </p:clrMapOvr>
-</p:notes>
-</file>
-
 <file path=ppt/slideLayouts/slideLayout1.xml><?xml version="1.0" encoding="utf-8"?>
 <p:sldLayout xmlns:a="http://schemas.openxmlformats.org/drawingml/2006/main" xmlns:r="http://schemas.openxmlformats.org/officeDocument/2006/relationships" xmlns:p="http://schemas.openxmlformats.org/presentationml/2006/main" type="title" preserve="1">
   <p:cSld name="标题幻灯片">
@@ -586,10 +507,9 @@
           </a:lstStyle>
           <a:p>
             <a:r>
-              <a:rPr lang="zh-CN" altLang="en-US" smtClean="0"/>
+              <a:rPr lang="zh-CN" altLang="en-US"/>
               <a:t>单击此处编辑母版标题样式</a:t>
             </a:r>
-            <a:endParaRPr lang="zh-CN" altLang="en-US"/>
           </a:p>
         </p:txBody>
       </p:sp>
@@ -651,10 +571,9 @@
           </a:lstStyle>
           <a:p>
             <a:r>
-              <a:rPr lang="zh-CN" altLang="en-US" smtClean="0"/>
+              <a:rPr lang="zh-CN" altLang="en-US"/>
               <a:t>单击以编辑母版副标题样式</a:t>
             </a:r>
-            <a:endParaRPr lang="zh-CN" altLang="en-US"/>
           </a:p>
         </p:txBody>
       </p:sp>
@@ -675,7 +594,7 @@
           <a:p>
             <a:fld id="{4B1E4B26-2AAE-4B61-A374-27A6B4D429E7}" type="datetimeFigureOut">
               <a:rPr lang="zh-CN" altLang="en-US" smtClean="0"/>
-              <a:t>2020/1/13</a:t>
+              <a:t>2020/1/14</a:t>
             </a:fld>
             <a:endParaRPr lang="zh-CN" altLang="en-US"/>
           </a:p>
@@ -769,10 +688,9 @@
           <a:lstStyle/>
           <a:p>
             <a:r>
-              <a:rPr lang="zh-CN" altLang="en-US" smtClean="0"/>
+              <a:rPr lang="zh-CN" altLang="en-US"/>
               <a:t>单击此处编辑母版标题样式</a:t>
             </a:r>
-            <a:endParaRPr lang="zh-CN" altLang="en-US"/>
           </a:p>
         </p:txBody>
       </p:sp>
@@ -793,38 +711,37 @@
           <a:p>
             <a:pPr lvl="0"/>
             <a:r>
-              <a:rPr lang="zh-CN" altLang="en-US" smtClean="0"/>
+              <a:rPr lang="zh-CN" altLang="en-US"/>
               <a:t>编辑母版文本样式</a:t>
             </a:r>
           </a:p>
           <a:p>
             <a:pPr lvl="1"/>
             <a:r>
-              <a:rPr lang="zh-CN" altLang="en-US" smtClean="0"/>
+              <a:rPr lang="zh-CN" altLang="en-US"/>
               <a:t>第二级</a:t>
             </a:r>
           </a:p>
           <a:p>
             <a:pPr lvl="2"/>
             <a:r>
-              <a:rPr lang="zh-CN" altLang="en-US" smtClean="0"/>
+              <a:rPr lang="zh-CN" altLang="en-US"/>
               <a:t>第三级</a:t>
             </a:r>
           </a:p>
           <a:p>
             <a:pPr lvl="3"/>
             <a:r>
-              <a:rPr lang="zh-CN" altLang="en-US" smtClean="0"/>
+              <a:rPr lang="zh-CN" altLang="en-US"/>
               <a:t>第四级</a:t>
             </a:r>
           </a:p>
           <a:p>
             <a:pPr lvl="4"/>
             <a:r>
-              <a:rPr lang="zh-CN" altLang="en-US" smtClean="0"/>
+              <a:rPr lang="zh-CN" altLang="en-US"/>
               <a:t>第五级</a:t>
             </a:r>
-            <a:endParaRPr lang="zh-CN" altLang="en-US"/>
           </a:p>
         </p:txBody>
       </p:sp>
@@ -845,7 +762,7 @@
           <a:p>
             <a:fld id="{4B1E4B26-2AAE-4B61-A374-27A6B4D429E7}" type="datetimeFigureOut">
               <a:rPr lang="zh-CN" altLang="en-US" smtClean="0"/>
-              <a:t>2020/1/13</a:t>
+              <a:t>2020/1/14</a:t>
             </a:fld>
             <a:endParaRPr lang="zh-CN" altLang="en-US"/>
           </a:p>
@@ -944,10 +861,9 @@
           <a:lstStyle/>
           <a:p>
             <a:r>
-              <a:rPr lang="zh-CN" altLang="en-US" smtClean="0"/>
+              <a:rPr lang="zh-CN" altLang="en-US"/>
               <a:t>单击此处编辑母版标题样式</a:t>
             </a:r>
-            <a:endParaRPr lang="zh-CN" altLang="en-US"/>
           </a:p>
         </p:txBody>
       </p:sp>
@@ -973,38 +889,37 @@
           <a:p>
             <a:pPr lvl="0"/>
             <a:r>
-              <a:rPr lang="zh-CN" altLang="en-US" smtClean="0"/>
+              <a:rPr lang="zh-CN" altLang="en-US"/>
               <a:t>编辑母版文本样式</a:t>
             </a:r>
           </a:p>
           <a:p>
             <a:pPr lvl="1"/>
             <a:r>
-              <a:rPr lang="zh-CN" altLang="en-US" smtClean="0"/>
+              <a:rPr lang="zh-CN" altLang="en-US"/>
               <a:t>第二级</a:t>
             </a:r>
           </a:p>
           <a:p>
             <a:pPr lvl="2"/>
             <a:r>
-              <a:rPr lang="zh-CN" altLang="en-US" smtClean="0"/>
+              <a:rPr lang="zh-CN" altLang="en-US"/>
               <a:t>第三级</a:t>
             </a:r>
           </a:p>
           <a:p>
             <a:pPr lvl="3"/>
             <a:r>
-              <a:rPr lang="zh-CN" altLang="en-US" smtClean="0"/>
+              <a:rPr lang="zh-CN" altLang="en-US"/>
               <a:t>第四级</a:t>
             </a:r>
           </a:p>
           <a:p>
             <a:pPr lvl="4"/>
             <a:r>
-              <a:rPr lang="zh-CN" altLang="en-US" smtClean="0"/>
+              <a:rPr lang="zh-CN" altLang="en-US"/>
               <a:t>第五级</a:t>
             </a:r>
-            <a:endParaRPr lang="zh-CN" altLang="en-US"/>
           </a:p>
         </p:txBody>
       </p:sp>
@@ -1025,7 +940,7 @@
           <a:p>
             <a:fld id="{4B1E4B26-2AAE-4B61-A374-27A6B4D429E7}" type="datetimeFigureOut">
               <a:rPr lang="zh-CN" altLang="en-US" smtClean="0"/>
-              <a:t>2020/1/13</a:t>
+              <a:t>2020/1/14</a:t>
             </a:fld>
             <a:endParaRPr lang="zh-CN" altLang="en-US"/>
           </a:p>
@@ -1119,10 +1034,9 @@
           <a:lstStyle/>
           <a:p>
             <a:r>
-              <a:rPr lang="zh-CN" altLang="en-US" smtClean="0"/>
+              <a:rPr lang="zh-CN" altLang="en-US"/>
               <a:t>单击此处编辑母版标题样式</a:t>
             </a:r>
-            <a:endParaRPr lang="zh-CN" altLang="en-US"/>
           </a:p>
         </p:txBody>
       </p:sp>
@@ -1143,38 +1057,37 @@
           <a:p>
             <a:pPr lvl="0"/>
             <a:r>
-              <a:rPr lang="zh-CN" altLang="en-US" smtClean="0"/>
+              <a:rPr lang="zh-CN" altLang="en-US"/>
               <a:t>编辑母版文本样式</a:t>
             </a:r>
           </a:p>
           <a:p>
             <a:pPr lvl="1"/>
             <a:r>
-              <a:rPr lang="zh-CN" altLang="en-US" smtClean="0"/>
+              <a:rPr lang="zh-CN" altLang="en-US"/>
               <a:t>第二级</a:t>
             </a:r>
           </a:p>
           <a:p>
             <a:pPr lvl="2"/>
             <a:r>
-              <a:rPr lang="zh-CN" altLang="en-US" smtClean="0"/>
+              <a:rPr lang="zh-CN" altLang="en-US"/>
               <a:t>第三级</a:t>
             </a:r>
           </a:p>
           <a:p>
             <a:pPr lvl="3"/>
             <a:r>
-              <a:rPr lang="zh-CN" altLang="en-US" smtClean="0"/>
+              <a:rPr lang="zh-CN" altLang="en-US"/>
               <a:t>第四级</a:t>
             </a:r>
           </a:p>
           <a:p>
             <a:pPr lvl="4"/>
             <a:r>
-              <a:rPr lang="zh-CN" altLang="en-US" smtClean="0"/>
+              <a:rPr lang="zh-CN" altLang="en-US"/>
               <a:t>第五级</a:t>
             </a:r>
-            <a:endParaRPr lang="zh-CN" altLang="en-US"/>
           </a:p>
         </p:txBody>
       </p:sp>
@@ -1195,7 +1108,7 @@
           <a:p>
             <a:fld id="{4B1E4B26-2AAE-4B61-A374-27A6B4D429E7}" type="datetimeFigureOut">
               <a:rPr lang="zh-CN" altLang="en-US" smtClean="0"/>
-              <a:t>2020/1/13</a:t>
+              <a:t>2020/1/14</a:t>
             </a:fld>
             <a:endParaRPr lang="zh-CN" altLang="en-US"/>
           </a:p>
@@ -1298,10 +1211,9 @@
           </a:lstStyle>
           <a:p>
             <a:r>
-              <a:rPr lang="zh-CN" altLang="en-US" smtClean="0"/>
+              <a:rPr lang="zh-CN" altLang="en-US"/>
               <a:t>单击此处编辑母版标题样式</a:t>
             </a:r>
-            <a:endParaRPr lang="zh-CN" altLang="en-US"/>
           </a:p>
         </p:txBody>
       </p:sp>
@@ -1418,7 +1330,7 @@
           <a:p>
             <a:pPr lvl="0"/>
             <a:r>
-              <a:rPr lang="zh-CN" altLang="en-US" smtClean="0"/>
+              <a:rPr lang="zh-CN" altLang="en-US"/>
               <a:t>编辑母版文本样式</a:t>
             </a:r>
           </a:p>
@@ -1441,7 +1353,7 @@
           <a:p>
             <a:fld id="{4B1E4B26-2AAE-4B61-A374-27A6B4D429E7}" type="datetimeFigureOut">
               <a:rPr lang="zh-CN" altLang="en-US" smtClean="0"/>
-              <a:t>2020/1/13</a:t>
+              <a:t>2020/1/14</a:t>
             </a:fld>
             <a:endParaRPr lang="zh-CN" altLang="en-US"/>
           </a:p>
@@ -1535,10 +1447,9 @@
           <a:lstStyle/>
           <a:p>
             <a:r>
-              <a:rPr lang="zh-CN" altLang="en-US" smtClean="0"/>
+              <a:rPr lang="zh-CN" altLang="en-US"/>
               <a:t>单击此处编辑母版标题样式</a:t>
             </a:r>
-            <a:endParaRPr lang="zh-CN" altLang="en-US"/>
           </a:p>
         </p:txBody>
       </p:sp>
@@ -1564,38 +1475,37 @@
           <a:p>
             <a:pPr lvl="0"/>
             <a:r>
-              <a:rPr lang="zh-CN" altLang="en-US" smtClean="0"/>
+              <a:rPr lang="zh-CN" altLang="en-US"/>
               <a:t>编辑母版文本样式</a:t>
             </a:r>
           </a:p>
           <a:p>
             <a:pPr lvl="1"/>
             <a:r>
-              <a:rPr lang="zh-CN" altLang="en-US" smtClean="0"/>
+              <a:rPr lang="zh-CN" altLang="en-US"/>
               <a:t>第二级</a:t>
             </a:r>
           </a:p>
           <a:p>
             <a:pPr lvl="2"/>
             <a:r>
-              <a:rPr lang="zh-CN" altLang="en-US" smtClean="0"/>
+              <a:rPr lang="zh-CN" altLang="en-US"/>
               <a:t>第三级</a:t>
             </a:r>
           </a:p>
           <a:p>
             <a:pPr lvl="3"/>
             <a:r>
-              <a:rPr lang="zh-CN" altLang="en-US" smtClean="0"/>
+              <a:rPr lang="zh-CN" altLang="en-US"/>
               <a:t>第四级</a:t>
             </a:r>
           </a:p>
           <a:p>
             <a:pPr lvl="4"/>
             <a:r>
-              <a:rPr lang="zh-CN" altLang="en-US" smtClean="0"/>
+              <a:rPr lang="zh-CN" altLang="en-US"/>
               <a:t>第五级</a:t>
             </a:r>
-            <a:endParaRPr lang="zh-CN" altLang="en-US"/>
           </a:p>
         </p:txBody>
       </p:sp>
@@ -1621,38 +1531,37 @@
           <a:p>
             <a:pPr lvl="0"/>
             <a:r>
-              <a:rPr lang="zh-CN" altLang="en-US" smtClean="0"/>
+              <a:rPr lang="zh-CN" altLang="en-US"/>
               <a:t>编辑母版文本样式</a:t>
             </a:r>
           </a:p>
           <a:p>
             <a:pPr lvl="1"/>
             <a:r>
-              <a:rPr lang="zh-CN" altLang="en-US" smtClean="0"/>
+              <a:rPr lang="zh-CN" altLang="en-US"/>
               <a:t>第二级</a:t>
             </a:r>
           </a:p>
           <a:p>
             <a:pPr lvl="2"/>
             <a:r>
-              <a:rPr lang="zh-CN" altLang="en-US" smtClean="0"/>
+              <a:rPr lang="zh-CN" altLang="en-US"/>
               <a:t>第三级</a:t>
             </a:r>
           </a:p>
           <a:p>
             <a:pPr lvl="3"/>
             <a:r>
-              <a:rPr lang="zh-CN" altLang="en-US" smtClean="0"/>
+              <a:rPr lang="zh-CN" altLang="en-US"/>
               <a:t>第四级</a:t>
             </a:r>
           </a:p>
           <a:p>
             <a:pPr lvl="4"/>
             <a:r>
-              <a:rPr lang="zh-CN" altLang="en-US" smtClean="0"/>
+              <a:rPr lang="zh-CN" altLang="en-US"/>
               <a:t>第五级</a:t>
             </a:r>
-            <a:endParaRPr lang="zh-CN" altLang="en-US"/>
           </a:p>
         </p:txBody>
       </p:sp>
@@ -1673,7 +1582,7 @@
           <a:p>
             <a:fld id="{4B1E4B26-2AAE-4B61-A374-27A6B4D429E7}" type="datetimeFigureOut">
               <a:rPr lang="zh-CN" altLang="en-US" smtClean="0"/>
-              <a:t>2020/1/13</a:t>
+              <a:t>2020/1/14</a:t>
             </a:fld>
             <a:endParaRPr lang="zh-CN" altLang="en-US"/>
           </a:p>
@@ -1772,10 +1681,9 @@
           <a:lstStyle/>
           <a:p>
             <a:r>
-              <a:rPr lang="zh-CN" altLang="en-US" smtClean="0"/>
+              <a:rPr lang="zh-CN" altLang="en-US"/>
               <a:t>单击此处编辑母版标题样式</a:t>
             </a:r>
-            <a:endParaRPr lang="zh-CN" altLang="en-US"/>
           </a:p>
         </p:txBody>
       </p:sp>
@@ -1838,7 +1746,7 @@
           <a:p>
             <a:pPr lvl="0"/>
             <a:r>
-              <a:rPr lang="zh-CN" altLang="en-US" smtClean="0"/>
+              <a:rPr lang="zh-CN" altLang="en-US"/>
               <a:t>编辑母版文本样式</a:t>
             </a:r>
           </a:p>
@@ -1866,38 +1774,37 @@
           <a:p>
             <a:pPr lvl="0"/>
             <a:r>
-              <a:rPr lang="zh-CN" altLang="en-US" smtClean="0"/>
+              <a:rPr lang="zh-CN" altLang="en-US"/>
               <a:t>编辑母版文本样式</a:t>
             </a:r>
           </a:p>
           <a:p>
             <a:pPr lvl="1"/>
             <a:r>
-              <a:rPr lang="zh-CN" altLang="en-US" smtClean="0"/>
+              <a:rPr lang="zh-CN" altLang="en-US"/>
               <a:t>第二级</a:t>
             </a:r>
           </a:p>
           <a:p>
             <a:pPr lvl="2"/>
             <a:r>
-              <a:rPr lang="zh-CN" altLang="en-US" smtClean="0"/>
+              <a:rPr lang="zh-CN" altLang="en-US"/>
               <a:t>第三级</a:t>
             </a:r>
           </a:p>
           <a:p>
             <a:pPr lvl="3"/>
             <a:r>
-              <a:rPr lang="zh-CN" altLang="en-US" smtClean="0"/>
+              <a:rPr lang="zh-CN" altLang="en-US"/>
               <a:t>第四级</a:t>
             </a:r>
           </a:p>
           <a:p>
             <a:pPr lvl="4"/>
             <a:r>
-              <a:rPr lang="zh-CN" altLang="en-US" smtClean="0"/>
+              <a:rPr lang="zh-CN" altLang="en-US"/>
               <a:t>第五级</a:t>
             </a:r>
-            <a:endParaRPr lang="zh-CN" altLang="en-US"/>
           </a:p>
         </p:txBody>
       </p:sp>
@@ -1960,7 +1867,7 @@
           <a:p>
             <a:pPr lvl="0"/>
             <a:r>
-              <a:rPr lang="zh-CN" altLang="en-US" smtClean="0"/>
+              <a:rPr lang="zh-CN" altLang="en-US"/>
               <a:t>编辑母版文本样式</a:t>
             </a:r>
           </a:p>
@@ -1988,38 +1895,37 @@
           <a:p>
             <a:pPr lvl="0"/>
             <a:r>
-              <a:rPr lang="zh-CN" altLang="en-US" smtClean="0"/>
+              <a:rPr lang="zh-CN" altLang="en-US"/>
               <a:t>编辑母版文本样式</a:t>
             </a:r>
           </a:p>
           <a:p>
             <a:pPr lvl="1"/>
             <a:r>
-              <a:rPr lang="zh-CN" altLang="en-US" smtClean="0"/>
+              <a:rPr lang="zh-CN" altLang="en-US"/>
               <a:t>第二级</a:t>
             </a:r>
           </a:p>
           <a:p>
             <a:pPr lvl="2"/>
             <a:r>
-              <a:rPr lang="zh-CN" altLang="en-US" smtClean="0"/>
+              <a:rPr lang="zh-CN" altLang="en-US"/>
               <a:t>第三级</a:t>
             </a:r>
           </a:p>
           <a:p>
             <a:pPr lvl="3"/>
             <a:r>
-              <a:rPr lang="zh-CN" altLang="en-US" smtClean="0"/>
+              <a:rPr lang="zh-CN" altLang="en-US"/>
               <a:t>第四级</a:t>
             </a:r>
           </a:p>
           <a:p>
             <a:pPr lvl="4"/>
             <a:r>
-              <a:rPr lang="zh-CN" altLang="en-US" smtClean="0"/>
+              <a:rPr lang="zh-CN" altLang="en-US"/>
               <a:t>第五级</a:t>
             </a:r>
-            <a:endParaRPr lang="zh-CN" altLang="en-US"/>
           </a:p>
         </p:txBody>
       </p:sp>
@@ -2040,7 +1946,7 @@
           <a:p>
             <a:fld id="{4B1E4B26-2AAE-4B61-A374-27A6B4D429E7}" type="datetimeFigureOut">
               <a:rPr lang="zh-CN" altLang="en-US" smtClean="0"/>
-              <a:t>2020/1/13</a:t>
+              <a:t>2020/1/14</a:t>
             </a:fld>
             <a:endParaRPr lang="zh-CN" altLang="en-US"/>
           </a:p>
@@ -2134,10 +2040,9 @@
           <a:lstStyle/>
           <a:p>
             <a:r>
-              <a:rPr lang="zh-CN" altLang="en-US" smtClean="0"/>
+              <a:rPr lang="zh-CN" altLang="en-US"/>
               <a:t>单击此处编辑母版标题样式</a:t>
             </a:r>
-            <a:endParaRPr lang="zh-CN" altLang="en-US"/>
           </a:p>
         </p:txBody>
       </p:sp>
@@ -2158,7 +2063,7 @@
           <a:p>
             <a:fld id="{4B1E4B26-2AAE-4B61-A374-27A6B4D429E7}" type="datetimeFigureOut">
               <a:rPr lang="zh-CN" altLang="en-US" smtClean="0"/>
-              <a:t>2020/1/13</a:t>
+              <a:t>2020/1/14</a:t>
             </a:fld>
             <a:endParaRPr lang="zh-CN" altLang="en-US"/>
           </a:p>
@@ -2253,7 +2158,7 @@
           <a:p>
             <a:fld id="{4B1E4B26-2AAE-4B61-A374-27A6B4D429E7}" type="datetimeFigureOut">
               <a:rPr lang="zh-CN" altLang="en-US" smtClean="0"/>
-              <a:t>2020/1/13</a:t>
+              <a:t>2020/1/14</a:t>
             </a:fld>
             <a:endParaRPr lang="zh-CN" altLang="en-US"/>
           </a:p>
@@ -2356,10 +2261,9 @@
           </a:lstStyle>
           <a:p>
             <a:r>
-              <a:rPr lang="zh-CN" altLang="en-US" smtClean="0"/>
+              <a:rPr lang="zh-CN" altLang="en-US"/>
               <a:t>单击此处编辑母版标题样式</a:t>
             </a:r>
-            <a:endParaRPr lang="zh-CN" altLang="en-US"/>
           </a:p>
         </p:txBody>
       </p:sp>
@@ -2413,38 +2317,37 @@
           <a:p>
             <a:pPr lvl="0"/>
             <a:r>
-              <a:rPr lang="zh-CN" altLang="en-US" smtClean="0"/>
+              <a:rPr lang="zh-CN" altLang="en-US"/>
               <a:t>编辑母版文本样式</a:t>
             </a:r>
           </a:p>
           <a:p>
             <a:pPr lvl="1"/>
             <a:r>
-              <a:rPr lang="zh-CN" altLang="en-US" smtClean="0"/>
+              <a:rPr lang="zh-CN" altLang="en-US"/>
               <a:t>第二级</a:t>
             </a:r>
           </a:p>
           <a:p>
             <a:pPr lvl="2"/>
             <a:r>
-              <a:rPr lang="zh-CN" altLang="en-US" smtClean="0"/>
+              <a:rPr lang="zh-CN" altLang="en-US"/>
               <a:t>第三级</a:t>
             </a:r>
           </a:p>
           <a:p>
             <a:pPr lvl="3"/>
             <a:r>
-              <a:rPr lang="zh-CN" altLang="en-US" smtClean="0"/>
+              <a:rPr lang="zh-CN" altLang="en-US"/>
               <a:t>第四级</a:t>
             </a:r>
           </a:p>
           <a:p>
             <a:pPr lvl="4"/>
             <a:r>
-              <a:rPr lang="zh-CN" altLang="en-US" smtClean="0"/>
+              <a:rPr lang="zh-CN" altLang="en-US"/>
               <a:t>第五级</a:t>
             </a:r>
-            <a:endParaRPr lang="zh-CN" altLang="en-US"/>
           </a:p>
         </p:txBody>
       </p:sp>
@@ -2507,7 +2410,7 @@
           <a:p>
             <a:pPr lvl="0"/>
             <a:r>
-              <a:rPr lang="zh-CN" altLang="en-US" smtClean="0"/>
+              <a:rPr lang="zh-CN" altLang="en-US"/>
               <a:t>编辑母版文本样式</a:t>
             </a:r>
           </a:p>
@@ -2530,7 +2433,7 @@
           <a:p>
             <a:fld id="{4B1E4B26-2AAE-4B61-A374-27A6B4D429E7}" type="datetimeFigureOut">
               <a:rPr lang="zh-CN" altLang="en-US" smtClean="0"/>
-              <a:t>2020/1/13</a:t>
+              <a:t>2020/1/14</a:t>
             </a:fld>
             <a:endParaRPr lang="zh-CN" altLang="en-US"/>
           </a:p>
@@ -2633,10 +2536,9 @@
           </a:lstStyle>
           <a:p>
             <a:r>
-              <a:rPr lang="zh-CN" altLang="en-US" smtClean="0"/>
+              <a:rPr lang="zh-CN" altLang="en-US"/>
               <a:t>单击此处编辑母版标题样式</a:t>
             </a:r>
-            <a:endParaRPr lang="zh-CN" altLang="en-US"/>
           </a:p>
         </p:txBody>
       </p:sp>
@@ -2760,7 +2662,7 @@
           <a:p>
             <a:pPr lvl="0"/>
             <a:r>
-              <a:rPr lang="zh-CN" altLang="en-US" smtClean="0"/>
+              <a:rPr lang="zh-CN" altLang="en-US"/>
               <a:t>编辑母版文本样式</a:t>
             </a:r>
           </a:p>
@@ -2783,7 +2685,7 @@
           <a:p>
             <a:fld id="{4B1E4B26-2AAE-4B61-A374-27A6B4D429E7}" type="datetimeFigureOut">
               <a:rPr lang="zh-CN" altLang="en-US" smtClean="0"/>
-              <a:t>2020/1/13</a:t>
+              <a:t>2020/1/14</a:t>
             </a:fld>
             <a:endParaRPr lang="zh-CN" altLang="en-US"/>
           </a:p>
@@ -2892,10 +2794,9 @@
           <a:lstStyle/>
           <a:p>
             <a:r>
-              <a:rPr lang="zh-CN" altLang="en-US" smtClean="0"/>
+              <a:rPr lang="zh-CN" altLang="en-US"/>
               <a:t>单击此处编辑母版标题样式</a:t>
             </a:r>
-            <a:endParaRPr lang="zh-CN" altLang="en-US"/>
           </a:p>
         </p:txBody>
       </p:sp>
@@ -2926,38 +2827,37 @@
           <a:p>
             <a:pPr lvl="0"/>
             <a:r>
-              <a:rPr lang="zh-CN" altLang="en-US" smtClean="0"/>
+              <a:rPr lang="zh-CN" altLang="en-US"/>
               <a:t>编辑母版文本样式</a:t>
             </a:r>
           </a:p>
           <a:p>
             <a:pPr lvl="1"/>
             <a:r>
-              <a:rPr lang="zh-CN" altLang="en-US" smtClean="0"/>
+              <a:rPr lang="zh-CN" altLang="en-US"/>
               <a:t>第二级</a:t>
             </a:r>
           </a:p>
           <a:p>
             <a:pPr lvl="2"/>
             <a:r>
-              <a:rPr lang="zh-CN" altLang="en-US" smtClean="0"/>
+              <a:rPr lang="zh-CN" altLang="en-US"/>
               <a:t>第三级</a:t>
             </a:r>
           </a:p>
           <a:p>
             <a:pPr lvl="3"/>
             <a:r>
-              <a:rPr lang="zh-CN" altLang="en-US" smtClean="0"/>
+              <a:rPr lang="zh-CN" altLang="en-US"/>
               <a:t>第四级</a:t>
             </a:r>
           </a:p>
           <a:p>
             <a:pPr lvl="4"/>
             <a:r>
-              <a:rPr lang="zh-CN" altLang="en-US" smtClean="0"/>
+              <a:rPr lang="zh-CN" altLang="en-US"/>
               <a:t>第五级</a:t>
             </a:r>
-            <a:endParaRPr lang="zh-CN" altLang="en-US"/>
           </a:p>
         </p:txBody>
       </p:sp>
@@ -2996,7 +2896,7 @@
           <a:p>
             <a:fld id="{4B1E4B26-2AAE-4B61-A374-27A6B4D429E7}" type="datetimeFigureOut">
               <a:rPr lang="zh-CN" altLang="en-US" smtClean="0"/>
-              <a:t>2020/1/13</a:t>
+              <a:t>2020/1/14</a:t>
             </a:fld>
             <a:endParaRPr lang="zh-CN" altLang="en-US"/>
           </a:p>
@@ -3401,6 +3301,3529 @@
           <a:chExt cx="0" cy="0"/>
         </a:xfrm>
       </p:grpSpPr>
+      <p:sp>
+        <p:nvSpPr>
+          <p:cNvPr id="86" name="文本框 85">
+            <a:extLst>
+              <a:ext uri="{FF2B5EF4-FFF2-40B4-BE49-F238E27FC236}">
+                <a16:creationId xmlns:a16="http://schemas.microsoft.com/office/drawing/2014/main" id="{0A10AC83-45EB-4A8A-9A1D-4BA93FB63765}"/>
+              </a:ext>
+            </a:extLst>
+          </p:cNvPr>
+          <p:cNvSpPr txBox="1"/>
+          <p:nvPr/>
+        </p:nvSpPr>
+        <p:spPr>
+          <a:xfrm>
+            <a:off x="6387294" y="5709350"/>
+            <a:ext cx="2543849" cy="584775"/>
+          </a:xfrm>
+          <a:prstGeom prst="rect">
+            <a:avLst/>
+          </a:prstGeom>
+          <a:noFill/>
+        </p:spPr>
+        <p:txBody>
+          <a:bodyPr wrap="square" rtlCol="0">
+            <a:spAutoFit/>
+          </a:bodyPr>
+          <a:lstStyle/>
+          <a:p>
+            <a:pPr algn="ctr"/>
+            <a:r>
+              <a:rPr lang="en-US" altLang="zh-CN" sz="1600" dirty="0">
+                <a:latin typeface="Times New Roman" panose="02020603050405020304" pitchFamily="18" charset="0"/>
+                <a:cs typeface="Times New Roman" panose="02020603050405020304" pitchFamily="18" charset="0"/>
+              </a:rPr>
+              <a:t>Optimal parallel strategy</a:t>
+            </a:r>
+          </a:p>
+          <a:p>
+            <a:pPr algn="ctr"/>
+            <a:r>
+              <a:rPr lang="en-US" altLang="zh-CN" sz="1600" dirty="0">
+                <a:latin typeface="Times New Roman" panose="02020603050405020304" pitchFamily="18" charset="0"/>
+                <a:cs typeface="Times New Roman" panose="02020603050405020304" pitchFamily="18" charset="0"/>
+              </a:rPr>
+              <a:t>with 3ms latency</a:t>
+            </a:r>
+            <a:endParaRPr lang="zh-CN" altLang="en-US" sz="1600" dirty="0">
+              <a:latin typeface="Times New Roman" panose="02020603050405020304" pitchFamily="18" charset="0"/>
+              <a:cs typeface="Times New Roman" panose="02020603050405020304" pitchFamily="18" charset="0"/>
+            </a:endParaRPr>
+          </a:p>
+        </p:txBody>
+      </p:sp>
+      <p:grpSp>
+        <p:nvGrpSpPr>
+          <p:cNvPr id="87" name="组合 86">
+            <a:extLst>
+              <a:ext uri="{FF2B5EF4-FFF2-40B4-BE49-F238E27FC236}">
+                <a16:creationId xmlns:a16="http://schemas.microsoft.com/office/drawing/2014/main" id="{340230D4-0FBA-489A-837E-CDC4E8198D7C}"/>
+              </a:ext>
+            </a:extLst>
+          </p:cNvPr>
+          <p:cNvGrpSpPr/>
+          <p:nvPr/>
+        </p:nvGrpSpPr>
+        <p:grpSpPr>
+          <a:xfrm>
+            <a:off x="5178851" y="1798998"/>
+            <a:ext cx="1745850" cy="2231616"/>
+            <a:chOff x="4601586" y="2027791"/>
+            <a:chExt cx="1745850" cy="2231616"/>
+          </a:xfrm>
+        </p:grpSpPr>
+        <p:sp>
+          <p:nvSpPr>
+            <p:cNvPr id="88" name="矩形 87">
+              <a:extLst>
+                <a:ext uri="{FF2B5EF4-FFF2-40B4-BE49-F238E27FC236}">
+                  <a16:creationId xmlns:a16="http://schemas.microsoft.com/office/drawing/2014/main" id="{0374DC55-CA63-4EEE-AF6A-689FDAA0C5D9}"/>
+                </a:ext>
+              </a:extLst>
+            </p:cNvPr>
+            <p:cNvSpPr/>
+            <p:nvPr/>
+          </p:nvSpPr>
+          <p:spPr>
+            <a:xfrm>
+              <a:off x="5344701" y="2031585"/>
+              <a:ext cx="1002735" cy="1917950"/>
+            </a:xfrm>
+            <a:prstGeom prst="rect">
+              <a:avLst/>
+            </a:prstGeom>
+            <a:noFill/>
+            <a:ln w="19050">
+              <a:solidFill>
+                <a:schemeClr val="tx1"/>
+              </a:solidFill>
+              <a:prstDash val="sysDash"/>
+            </a:ln>
+          </p:spPr>
+          <p:style>
+            <a:lnRef idx="2">
+              <a:schemeClr val="accent3">
+                <a:shade val="50000"/>
+              </a:schemeClr>
+            </a:lnRef>
+            <a:fillRef idx="1">
+              <a:schemeClr val="accent3"/>
+            </a:fillRef>
+            <a:effectRef idx="0">
+              <a:schemeClr val="accent3"/>
+            </a:effectRef>
+            <a:fontRef idx="minor">
+              <a:schemeClr val="lt1"/>
+            </a:fontRef>
+          </p:style>
+          <p:txBody>
+            <a:bodyPr rtlCol="0" anchor="ctr"/>
+            <a:lstStyle/>
+            <a:p>
+              <a:pPr algn="ctr"/>
+              <a:endParaRPr lang="zh-CN" altLang="en-US"/>
+            </a:p>
+          </p:txBody>
+        </p:sp>
+        <p:grpSp>
+          <p:nvGrpSpPr>
+            <p:cNvPr id="89" name="组合 88">
+              <a:extLst>
+                <a:ext uri="{FF2B5EF4-FFF2-40B4-BE49-F238E27FC236}">
+                  <a16:creationId xmlns:a16="http://schemas.microsoft.com/office/drawing/2014/main" id="{A232E121-B189-43B1-A975-F9F9F522EC23}"/>
+                </a:ext>
+              </a:extLst>
+            </p:cNvPr>
+            <p:cNvGrpSpPr/>
+            <p:nvPr/>
+          </p:nvGrpSpPr>
+          <p:grpSpPr>
+            <a:xfrm>
+              <a:off x="4601586" y="2901676"/>
+              <a:ext cx="576000" cy="576000"/>
+              <a:chOff x="938379" y="3981401"/>
+              <a:chExt cx="576000" cy="576000"/>
+            </a:xfrm>
+          </p:grpSpPr>
+          <p:sp>
+            <p:nvSpPr>
+              <p:cNvPr id="100" name="矩形 99">
+                <a:extLst>
+                  <a:ext uri="{FF2B5EF4-FFF2-40B4-BE49-F238E27FC236}">
+                    <a16:creationId xmlns:a16="http://schemas.microsoft.com/office/drawing/2014/main" id="{3C56F434-A40A-41EC-9AAD-A66C758983A5}"/>
+                  </a:ext>
+                </a:extLst>
+              </p:cNvPr>
+              <p:cNvSpPr/>
+              <p:nvPr/>
+            </p:nvSpPr>
+            <p:spPr>
+              <a:xfrm>
+                <a:off x="938379" y="3981401"/>
+                <a:ext cx="288000" cy="576000"/>
+              </a:xfrm>
+              <a:prstGeom prst="rect">
+                <a:avLst/>
+              </a:prstGeom>
+              <a:ln>
+                <a:noFill/>
+              </a:ln>
+            </p:spPr>
+            <p:style>
+              <a:lnRef idx="2">
+                <a:schemeClr val="accent6">
+                  <a:shade val="50000"/>
+                </a:schemeClr>
+              </a:lnRef>
+              <a:fillRef idx="1">
+                <a:schemeClr val="accent6"/>
+              </a:fillRef>
+              <a:effectRef idx="0">
+                <a:schemeClr val="accent6"/>
+              </a:effectRef>
+              <a:fontRef idx="minor">
+                <a:schemeClr val="lt1"/>
+              </a:fontRef>
+            </p:style>
+            <p:txBody>
+              <a:bodyPr rtlCol="0" anchor="ctr"/>
+              <a:lstStyle/>
+              <a:p>
+                <a:pPr algn="ctr"/>
+                <a:endParaRPr lang="zh-CN" altLang="en-US" sz="1100" dirty="0">
+                  <a:latin typeface="Times New Roman" panose="02020603050405020304" pitchFamily="18" charset="0"/>
+                  <a:cs typeface="Times New Roman" panose="02020603050405020304" pitchFamily="18" charset="0"/>
+                </a:endParaRPr>
+              </a:p>
+            </p:txBody>
+          </p:sp>
+          <p:sp>
+            <p:nvSpPr>
+              <p:cNvPr id="101" name="矩形 100">
+                <a:extLst>
+                  <a:ext uri="{FF2B5EF4-FFF2-40B4-BE49-F238E27FC236}">
+                    <a16:creationId xmlns:a16="http://schemas.microsoft.com/office/drawing/2014/main" id="{DE811C8B-A970-4D51-9240-4F4B6B03C35D}"/>
+                  </a:ext>
+                </a:extLst>
+              </p:cNvPr>
+              <p:cNvSpPr/>
+              <p:nvPr/>
+            </p:nvSpPr>
+            <p:spPr>
+              <a:xfrm>
+                <a:off x="1226379" y="3981401"/>
+                <a:ext cx="288000" cy="576000"/>
+              </a:xfrm>
+              <a:prstGeom prst="rect">
+                <a:avLst/>
+              </a:prstGeom>
+              <a:ln>
+                <a:noFill/>
+              </a:ln>
+            </p:spPr>
+            <p:style>
+              <a:lnRef idx="2">
+                <a:schemeClr val="accent6">
+                  <a:shade val="50000"/>
+                </a:schemeClr>
+              </a:lnRef>
+              <a:fillRef idx="1">
+                <a:schemeClr val="accent6"/>
+              </a:fillRef>
+              <a:effectRef idx="0">
+                <a:schemeClr val="accent6"/>
+              </a:effectRef>
+              <a:fontRef idx="minor">
+                <a:schemeClr val="lt1"/>
+              </a:fontRef>
+            </p:style>
+            <p:txBody>
+              <a:bodyPr rtlCol="0" anchor="ctr"/>
+              <a:lstStyle/>
+              <a:p>
+                <a:pPr algn="ctr"/>
+                <a:endParaRPr lang="zh-CN" altLang="en-US" sz="1100" dirty="0">
+                  <a:latin typeface="Times New Roman" panose="02020603050405020304" pitchFamily="18" charset="0"/>
+                  <a:cs typeface="Times New Roman" panose="02020603050405020304" pitchFamily="18" charset="0"/>
+                </a:endParaRPr>
+              </a:p>
+            </p:txBody>
+          </p:sp>
+        </p:grpSp>
+        <p:grpSp>
+          <p:nvGrpSpPr>
+            <p:cNvPr id="90" name="组合 89">
+              <a:extLst>
+                <a:ext uri="{FF2B5EF4-FFF2-40B4-BE49-F238E27FC236}">
+                  <a16:creationId xmlns:a16="http://schemas.microsoft.com/office/drawing/2014/main" id="{7C7D295C-D4CC-4699-9C60-17E223F115B3}"/>
+                </a:ext>
+              </a:extLst>
+            </p:cNvPr>
+            <p:cNvGrpSpPr/>
+            <p:nvPr/>
+          </p:nvGrpSpPr>
+          <p:grpSpPr>
+            <a:xfrm>
+              <a:off x="5583804" y="2613676"/>
+              <a:ext cx="576000" cy="576000"/>
+              <a:chOff x="1915557" y="4269401"/>
+              <a:chExt cx="576000" cy="576000"/>
+            </a:xfrm>
+          </p:grpSpPr>
+          <p:sp>
+            <p:nvSpPr>
+              <p:cNvPr id="98" name="矩形 97">
+                <a:extLst>
+                  <a:ext uri="{FF2B5EF4-FFF2-40B4-BE49-F238E27FC236}">
+                    <a16:creationId xmlns:a16="http://schemas.microsoft.com/office/drawing/2014/main" id="{1A60D512-381C-47A2-BCD6-D8EBF0C1559D}"/>
+                  </a:ext>
+                </a:extLst>
+              </p:cNvPr>
+              <p:cNvSpPr/>
+              <p:nvPr/>
+            </p:nvSpPr>
+            <p:spPr>
+              <a:xfrm>
+                <a:off x="1915557" y="4269401"/>
+                <a:ext cx="288000" cy="576000"/>
+              </a:xfrm>
+              <a:prstGeom prst="rect">
+                <a:avLst/>
+              </a:prstGeom>
+              <a:ln>
+                <a:noFill/>
+              </a:ln>
+            </p:spPr>
+            <p:style>
+              <a:lnRef idx="2">
+                <a:schemeClr val="accent6">
+                  <a:shade val="50000"/>
+                </a:schemeClr>
+              </a:lnRef>
+              <a:fillRef idx="1">
+                <a:schemeClr val="accent6"/>
+              </a:fillRef>
+              <a:effectRef idx="0">
+                <a:schemeClr val="accent6"/>
+              </a:effectRef>
+              <a:fontRef idx="minor">
+                <a:schemeClr val="lt1"/>
+              </a:fontRef>
+            </p:style>
+            <p:txBody>
+              <a:bodyPr rtlCol="0" anchor="ctr"/>
+              <a:lstStyle/>
+              <a:p>
+                <a:pPr algn="ctr"/>
+                <a:endParaRPr lang="zh-CN" altLang="en-US" sz="1100" dirty="0">
+                  <a:latin typeface="Times New Roman" panose="02020603050405020304" pitchFamily="18" charset="0"/>
+                  <a:cs typeface="Times New Roman" panose="02020603050405020304" pitchFamily="18" charset="0"/>
+                </a:endParaRPr>
+              </a:p>
+            </p:txBody>
+          </p:sp>
+          <p:sp>
+            <p:nvSpPr>
+              <p:cNvPr id="99" name="矩形 98">
+                <a:extLst>
+                  <a:ext uri="{FF2B5EF4-FFF2-40B4-BE49-F238E27FC236}">
+                    <a16:creationId xmlns:a16="http://schemas.microsoft.com/office/drawing/2014/main" id="{273DC07E-500B-41B3-9006-DCD4D62E2744}"/>
+                  </a:ext>
+                </a:extLst>
+              </p:cNvPr>
+              <p:cNvSpPr/>
+              <p:nvPr/>
+            </p:nvSpPr>
+            <p:spPr>
+              <a:xfrm>
+                <a:off x="2203557" y="4269401"/>
+                <a:ext cx="288000" cy="576000"/>
+              </a:xfrm>
+              <a:prstGeom prst="rect">
+                <a:avLst/>
+              </a:prstGeom>
+              <a:solidFill>
+                <a:schemeClr val="accent4">
+                  <a:lumMod val="60000"/>
+                  <a:lumOff val="40000"/>
+                </a:schemeClr>
+              </a:solidFill>
+              <a:ln>
+                <a:noFill/>
+              </a:ln>
+            </p:spPr>
+            <p:style>
+              <a:lnRef idx="2">
+                <a:schemeClr val="accent1">
+                  <a:shade val="50000"/>
+                </a:schemeClr>
+              </a:lnRef>
+              <a:fillRef idx="1">
+                <a:schemeClr val="accent1"/>
+              </a:fillRef>
+              <a:effectRef idx="0">
+                <a:schemeClr val="accent1"/>
+              </a:effectRef>
+              <a:fontRef idx="minor">
+                <a:schemeClr val="lt1"/>
+              </a:fontRef>
+            </p:style>
+            <p:txBody>
+              <a:bodyPr rtlCol="0" anchor="ctr"/>
+              <a:lstStyle/>
+              <a:p>
+                <a:pPr algn="ctr"/>
+                <a:endParaRPr lang="zh-CN" altLang="en-US" dirty="0">
+                  <a:solidFill>
+                    <a:schemeClr val="tx1"/>
+                  </a:solidFill>
+                  <a:latin typeface="Times New Roman" panose="02020603050405020304" pitchFamily="18" charset="0"/>
+                  <a:cs typeface="Times New Roman" panose="02020603050405020304" pitchFamily="18" charset="0"/>
+                </a:endParaRPr>
+              </a:p>
+            </p:txBody>
+          </p:sp>
+        </p:grpSp>
+        <p:grpSp>
+          <p:nvGrpSpPr>
+            <p:cNvPr id="91" name="组合 90">
+              <a:extLst>
+                <a:ext uri="{FF2B5EF4-FFF2-40B4-BE49-F238E27FC236}">
+                  <a16:creationId xmlns:a16="http://schemas.microsoft.com/office/drawing/2014/main" id="{9BC4FEC0-C2D8-49FF-BFE0-7BE1CB05DFB2}"/>
+                </a:ext>
+              </a:extLst>
+            </p:cNvPr>
+            <p:cNvGrpSpPr/>
+            <p:nvPr/>
+          </p:nvGrpSpPr>
+          <p:grpSpPr>
+            <a:xfrm>
+              <a:off x="5581430" y="3252650"/>
+              <a:ext cx="576000" cy="576000"/>
+              <a:chOff x="3013168" y="3756375"/>
+              <a:chExt cx="576000" cy="576000"/>
+            </a:xfrm>
+          </p:grpSpPr>
+          <p:sp>
+            <p:nvSpPr>
+              <p:cNvPr id="96" name="矩形 95">
+                <a:extLst>
+                  <a:ext uri="{FF2B5EF4-FFF2-40B4-BE49-F238E27FC236}">
+                    <a16:creationId xmlns:a16="http://schemas.microsoft.com/office/drawing/2014/main" id="{EEB63261-5F27-418A-8D10-B384213B82B3}"/>
+                  </a:ext>
+                </a:extLst>
+              </p:cNvPr>
+              <p:cNvSpPr/>
+              <p:nvPr/>
+            </p:nvSpPr>
+            <p:spPr>
+              <a:xfrm>
+                <a:off x="3013168" y="3756375"/>
+                <a:ext cx="288000" cy="576000"/>
+              </a:xfrm>
+              <a:prstGeom prst="rect">
+                <a:avLst/>
+              </a:prstGeom>
+              <a:solidFill>
+                <a:schemeClr val="accent4">
+                  <a:lumMod val="60000"/>
+                  <a:lumOff val="40000"/>
+                </a:schemeClr>
+              </a:solidFill>
+              <a:ln>
+                <a:noFill/>
+              </a:ln>
+            </p:spPr>
+            <p:style>
+              <a:lnRef idx="2">
+                <a:schemeClr val="accent1">
+                  <a:shade val="50000"/>
+                </a:schemeClr>
+              </a:lnRef>
+              <a:fillRef idx="1">
+                <a:schemeClr val="accent1"/>
+              </a:fillRef>
+              <a:effectRef idx="0">
+                <a:schemeClr val="accent1"/>
+              </a:effectRef>
+              <a:fontRef idx="minor">
+                <a:schemeClr val="lt1"/>
+              </a:fontRef>
+            </p:style>
+            <p:txBody>
+              <a:bodyPr rtlCol="0" anchor="ctr"/>
+              <a:lstStyle/>
+              <a:p>
+                <a:pPr algn="ctr"/>
+                <a:endParaRPr lang="zh-CN" altLang="en-US" dirty="0">
+                  <a:solidFill>
+                    <a:schemeClr val="tx1"/>
+                  </a:solidFill>
+                  <a:latin typeface="Times New Roman" panose="02020603050405020304" pitchFamily="18" charset="0"/>
+                  <a:cs typeface="Times New Roman" panose="02020603050405020304" pitchFamily="18" charset="0"/>
+                </a:endParaRPr>
+              </a:p>
+            </p:txBody>
+          </p:sp>
+          <p:sp>
+            <p:nvSpPr>
+              <p:cNvPr id="97" name="矩形 96">
+                <a:extLst>
+                  <a:ext uri="{FF2B5EF4-FFF2-40B4-BE49-F238E27FC236}">
+                    <a16:creationId xmlns:a16="http://schemas.microsoft.com/office/drawing/2014/main" id="{C4785563-4AAC-40A7-9993-717E9FCEA37D}"/>
+                  </a:ext>
+                </a:extLst>
+              </p:cNvPr>
+              <p:cNvSpPr/>
+              <p:nvPr/>
+            </p:nvSpPr>
+            <p:spPr>
+              <a:xfrm>
+                <a:off x="3301168" y="3756375"/>
+                <a:ext cx="288000" cy="576000"/>
+              </a:xfrm>
+              <a:prstGeom prst="rect">
+                <a:avLst/>
+              </a:prstGeom>
+              <a:solidFill>
+                <a:schemeClr val="accent4">
+                  <a:lumMod val="60000"/>
+                  <a:lumOff val="40000"/>
+                </a:schemeClr>
+              </a:solidFill>
+              <a:ln>
+                <a:noFill/>
+              </a:ln>
+            </p:spPr>
+            <p:style>
+              <a:lnRef idx="2">
+                <a:schemeClr val="accent1">
+                  <a:shade val="50000"/>
+                </a:schemeClr>
+              </a:lnRef>
+              <a:fillRef idx="1">
+                <a:schemeClr val="accent1"/>
+              </a:fillRef>
+              <a:effectRef idx="0">
+                <a:schemeClr val="accent1"/>
+              </a:effectRef>
+              <a:fontRef idx="minor">
+                <a:schemeClr val="lt1"/>
+              </a:fontRef>
+            </p:style>
+            <p:txBody>
+              <a:bodyPr rtlCol="0" anchor="ctr"/>
+              <a:lstStyle/>
+              <a:p>
+                <a:pPr algn="ctr"/>
+                <a:endParaRPr lang="zh-CN" altLang="en-US" dirty="0">
+                  <a:solidFill>
+                    <a:schemeClr val="tx1"/>
+                  </a:solidFill>
+                  <a:latin typeface="Times New Roman" panose="02020603050405020304" pitchFamily="18" charset="0"/>
+                  <a:cs typeface="Times New Roman" panose="02020603050405020304" pitchFamily="18" charset="0"/>
+                </a:endParaRPr>
+              </a:p>
+            </p:txBody>
+          </p:sp>
+        </p:grpSp>
+        <p:cxnSp>
+          <p:nvCxnSpPr>
+            <p:cNvPr id="92" name="直接箭头连接符 91">
+              <a:extLst>
+                <a:ext uri="{FF2B5EF4-FFF2-40B4-BE49-F238E27FC236}">
+                  <a16:creationId xmlns:a16="http://schemas.microsoft.com/office/drawing/2014/main" id="{A71C5793-0816-4FAD-8D9D-6F3875397908}"/>
+                </a:ext>
+              </a:extLst>
+            </p:cNvPr>
+            <p:cNvCxnSpPr>
+              <a:stCxn id="101" idx="3"/>
+              <a:endCxn id="98" idx="1"/>
+            </p:cNvCxnSpPr>
+            <p:nvPr/>
+          </p:nvCxnSpPr>
+          <p:spPr>
+            <a:xfrm flipV="1">
+              <a:off x="5177586" y="2901676"/>
+              <a:ext cx="406218" cy="288000"/>
+            </a:xfrm>
+            <a:prstGeom prst="straightConnector1">
+              <a:avLst/>
+            </a:prstGeom>
+            <a:ln w="19050">
+              <a:tailEnd type="triangle"/>
+            </a:ln>
+          </p:spPr>
+          <p:style>
+            <a:lnRef idx="1">
+              <a:schemeClr val="accent6"/>
+            </a:lnRef>
+            <a:fillRef idx="0">
+              <a:schemeClr val="accent6"/>
+            </a:fillRef>
+            <a:effectRef idx="0">
+              <a:schemeClr val="accent6"/>
+            </a:effectRef>
+            <a:fontRef idx="minor">
+              <a:schemeClr val="tx1"/>
+            </a:fontRef>
+          </p:style>
+        </p:cxnSp>
+        <p:cxnSp>
+          <p:nvCxnSpPr>
+            <p:cNvPr id="93" name="直接箭头连接符 92">
+              <a:extLst>
+                <a:ext uri="{FF2B5EF4-FFF2-40B4-BE49-F238E27FC236}">
+                  <a16:creationId xmlns:a16="http://schemas.microsoft.com/office/drawing/2014/main" id="{772DB51F-F452-4B9E-863C-40AD5C1E9A17}"/>
+                </a:ext>
+              </a:extLst>
+            </p:cNvPr>
+            <p:cNvCxnSpPr>
+              <a:stCxn id="101" idx="3"/>
+              <a:endCxn id="96" idx="1"/>
+            </p:cNvCxnSpPr>
+            <p:nvPr/>
+          </p:nvCxnSpPr>
+          <p:spPr>
+            <a:xfrm>
+              <a:off x="5177586" y="3189676"/>
+              <a:ext cx="403844" cy="350974"/>
+            </a:xfrm>
+            <a:prstGeom prst="straightConnector1">
+              <a:avLst/>
+            </a:prstGeom>
+            <a:ln w="19050">
+              <a:tailEnd type="triangle"/>
+            </a:ln>
+          </p:spPr>
+          <p:style>
+            <a:lnRef idx="1">
+              <a:schemeClr val="accent6"/>
+            </a:lnRef>
+            <a:fillRef idx="0">
+              <a:schemeClr val="accent6"/>
+            </a:fillRef>
+            <a:effectRef idx="0">
+              <a:schemeClr val="accent6"/>
+            </a:effectRef>
+            <a:fontRef idx="minor">
+              <a:schemeClr val="tx1"/>
+            </a:fontRef>
+          </p:style>
+        </p:cxnSp>
+        <p:sp>
+          <p:nvSpPr>
+            <p:cNvPr id="94" name="文本框 93">
+              <a:extLst>
+                <a:ext uri="{FF2B5EF4-FFF2-40B4-BE49-F238E27FC236}">
+                  <a16:creationId xmlns:a16="http://schemas.microsoft.com/office/drawing/2014/main" id="{AC89E0FB-0BE1-46C6-BDA5-1FCA1138904C}"/>
+                </a:ext>
+              </a:extLst>
+            </p:cNvPr>
+            <p:cNvSpPr txBox="1"/>
+            <p:nvPr/>
+          </p:nvSpPr>
+          <p:spPr>
+            <a:xfrm>
+              <a:off x="4760964" y="3951630"/>
+              <a:ext cx="1524485" cy="307777"/>
+            </a:xfrm>
+            <a:prstGeom prst="rect">
+              <a:avLst/>
+            </a:prstGeom>
+            <a:noFill/>
+          </p:spPr>
+          <p:txBody>
+            <a:bodyPr wrap="square" rtlCol="0">
+              <a:spAutoFit/>
+            </a:bodyPr>
+            <a:lstStyle/>
+            <a:p>
+              <a:pPr algn="ctr"/>
+              <a:r>
+                <a:rPr lang="en-US" altLang="zh-CN" sz="1400" dirty="0">
+                  <a:latin typeface="Times New Roman" panose="02020603050405020304" pitchFamily="18" charset="0"/>
+                  <a:cs typeface="Times New Roman" panose="02020603050405020304" pitchFamily="18" charset="0"/>
+                </a:rPr>
+                <a:t>Total latency: 4ms</a:t>
+              </a:r>
+              <a:endParaRPr lang="zh-CN" altLang="en-US" sz="1400" dirty="0">
+                <a:latin typeface="Times New Roman" panose="02020603050405020304" pitchFamily="18" charset="0"/>
+                <a:cs typeface="Times New Roman" panose="02020603050405020304" pitchFamily="18" charset="0"/>
+              </a:endParaRPr>
+            </a:p>
+          </p:txBody>
+        </p:sp>
+        <p:sp>
+          <p:nvSpPr>
+            <p:cNvPr id="95" name="文本框 94">
+              <a:extLst>
+                <a:ext uri="{FF2B5EF4-FFF2-40B4-BE49-F238E27FC236}">
+                  <a16:creationId xmlns:a16="http://schemas.microsoft.com/office/drawing/2014/main" id="{B02B8821-D448-4B33-9551-FEDBD5D1D8DD}"/>
+                </a:ext>
+              </a:extLst>
+            </p:cNvPr>
+            <p:cNvSpPr txBox="1"/>
+            <p:nvPr/>
+          </p:nvSpPr>
+          <p:spPr>
+            <a:xfrm>
+              <a:off x="5379508" y="2027791"/>
+              <a:ext cx="929377" cy="523220"/>
+            </a:xfrm>
+            <a:prstGeom prst="rect">
+              <a:avLst/>
+            </a:prstGeom>
+            <a:noFill/>
+          </p:spPr>
+          <p:txBody>
+            <a:bodyPr wrap="square" rtlCol="0">
+              <a:spAutoFit/>
+            </a:bodyPr>
+            <a:lstStyle/>
+            <a:p>
+              <a:pPr algn="ctr"/>
+              <a:r>
+                <a:rPr lang="en-US" altLang="zh-CN" sz="1400" dirty="0">
+                  <a:latin typeface="Times New Roman" panose="02020603050405020304" pitchFamily="18" charset="0"/>
+                  <a:cs typeface="Times New Roman" panose="02020603050405020304" pitchFamily="18" charset="0"/>
+                </a:rPr>
+                <a:t>Running in parallel</a:t>
+              </a:r>
+              <a:endParaRPr lang="zh-CN" altLang="en-US" sz="1400" dirty="0">
+                <a:latin typeface="Times New Roman" panose="02020603050405020304" pitchFamily="18" charset="0"/>
+                <a:cs typeface="Times New Roman" panose="02020603050405020304" pitchFamily="18" charset="0"/>
+              </a:endParaRPr>
+            </a:p>
+          </p:txBody>
+        </p:sp>
+      </p:grpSp>
+      <p:grpSp>
+        <p:nvGrpSpPr>
+          <p:cNvPr id="102" name="组合 101">
+            <a:extLst>
+              <a:ext uri="{FF2B5EF4-FFF2-40B4-BE49-F238E27FC236}">
+                <a16:creationId xmlns:a16="http://schemas.microsoft.com/office/drawing/2014/main" id="{5E64B7DA-5225-44E2-98C8-AE934F049A3C}"/>
+              </a:ext>
+            </a:extLst>
+          </p:cNvPr>
+          <p:cNvGrpSpPr/>
+          <p:nvPr/>
+        </p:nvGrpSpPr>
+        <p:grpSpPr>
+          <a:xfrm>
+            <a:off x="4121612" y="42880"/>
+            <a:ext cx="3367642" cy="896836"/>
+            <a:chOff x="4120402" y="217364"/>
+            <a:chExt cx="3367642" cy="896836"/>
+          </a:xfrm>
+        </p:grpSpPr>
+        <p:grpSp>
+          <p:nvGrpSpPr>
+            <p:cNvPr id="103" name="组合 102">
+              <a:extLst>
+                <a:ext uri="{FF2B5EF4-FFF2-40B4-BE49-F238E27FC236}">
+                  <a16:creationId xmlns:a16="http://schemas.microsoft.com/office/drawing/2014/main" id="{F8EA5A7F-F050-4C77-89E3-975B822BD287}"/>
+                </a:ext>
+              </a:extLst>
+            </p:cNvPr>
+            <p:cNvGrpSpPr/>
+            <p:nvPr/>
+          </p:nvGrpSpPr>
+          <p:grpSpPr>
+            <a:xfrm>
+              <a:off x="4375325" y="217364"/>
+              <a:ext cx="576000" cy="576000"/>
+              <a:chOff x="722982" y="3756375"/>
+              <a:chExt cx="576000" cy="576000"/>
+            </a:xfrm>
+          </p:grpSpPr>
+          <p:sp>
+            <p:nvSpPr>
+              <p:cNvPr id="115" name="矩形 114">
+                <a:extLst>
+                  <a:ext uri="{FF2B5EF4-FFF2-40B4-BE49-F238E27FC236}">
+                    <a16:creationId xmlns:a16="http://schemas.microsoft.com/office/drawing/2014/main" id="{727202F8-67E4-4DB8-A322-D81D47C078BA}"/>
+                  </a:ext>
+                </a:extLst>
+              </p:cNvPr>
+              <p:cNvSpPr/>
+              <p:nvPr/>
+            </p:nvSpPr>
+            <p:spPr>
+              <a:xfrm>
+                <a:off x="722982" y="3756375"/>
+                <a:ext cx="288000" cy="576000"/>
+              </a:xfrm>
+              <a:prstGeom prst="rect">
+                <a:avLst/>
+              </a:prstGeom>
+              <a:ln>
+                <a:noFill/>
+              </a:ln>
+            </p:spPr>
+            <p:style>
+              <a:lnRef idx="2">
+                <a:schemeClr val="accent6">
+                  <a:shade val="50000"/>
+                </a:schemeClr>
+              </a:lnRef>
+              <a:fillRef idx="1">
+                <a:schemeClr val="accent6"/>
+              </a:fillRef>
+              <a:effectRef idx="0">
+                <a:schemeClr val="accent6"/>
+              </a:effectRef>
+              <a:fontRef idx="minor">
+                <a:schemeClr val="lt1"/>
+              </a:fontRef>
+            </p:style>
+            <p:txBody>
+              <a:bodyPr rtlCol="0" anchor="ctr"/>
+              <a:lstStyle/>
+              <a:p>
+                <a:pPr algn="ctr"/>
+                <a:endParaRPr lang="zh-CN" altLang="en-US" sz="1100" dirty="0">
+                  <a:latin typeface="Times New Roman" panose="02020603050405020304" pitchFamily="18" charset="0"/>
+                  <a:cs typeface="Times New Roman" panose="02020603050405020304" pitchFamily="18" charset="0"/>
+                </a:endParaRPr>
+              </a:p>
+            </p:txBody>
+          </p:sp>
+          <p:sp>
+            <p:nvSpPr>
+              <p:cNvPr id="116" name="矩形 115">
+                <a:extLst>
+                  <a:ext uri="{FF2B5EF4-FFF2-40B4-BE49-F238E27FC236}">
+                    <a16:creationId xmlns:a16="http://schemas.microsoft.com/office/drawing/2014/main" id="{C833BBDE-19AD-4F16-86AD-E5F8A6C98A2F}"/>
+                  </a:ext>
+                </a:extLst>
+              </p:cNvPr>
+              <p:cNvSpPr/>
+              <p:nvPr/>
+            </p:nvSpPr>
+            <p:spPr>
+              <a:xfrm>
+                <a:off x="1010982" y="3756375"/>
+                <a:ext cx="288000" cy="576000"/>
+              </a:xfrm>
+              <a:prstGeom prst="rect">
+                <a:avLst/>
+              </a:prstGeom>
+              <a:ln>
+                <a:noFill/>
+              </a:ln>
+            </p:spPr>
+            <p:style>
+              <a:lnRef idx="2">
+                <a:schemeClr val="accent6">
+                  <a:shade val="50000"/>
+                </a:schemeClr>
+              </a:lnRef>
+              <a:fillRef idx="1">
+                <a:schemeClr val="accent6"/>
+              </a:fillRef>
+              <a:effectRef idx="0">
+                <a:schemeClr val="accent6"/>
+              </a:effectRef>
+              <a:fontRef idx="minor">
+                <a:schemeClr val="lt1"/>
+              </a:fontRef>
+            </p:style>
+            <p:txBody>
+              <a:bodyPr rtlCol="0" anchor="ctr"/>
+              <a:lstStyle/>
+              <a:p>
+                <a:pPr algn="ctr"/>
+                <a:endParaRPr lang="zh-CN" altLang="en-US" sz="1100" dirty="0">
+                  <a:latin typeface="Times New Roman" panose="02020603050405020304" pitchFamily="18" charset="0"/>
+                  <a:cs typeface="Times New Roman" panose="02020603050405020304" pitchFamily="18" charset="0"/>
+                </a:endParaRPr>
+              </a:p>
+            </p:txBody>
+          </p:sp>
+        </p:grpSp>
+        <p:grpSp>
+          <p:nvGrpSpPr>
+            <p:cNvPr id="104" name="组合 103">
+              <a:extLst>
+                <a:ext uri="{FF2B5EF4-FFF2-40B4-BE49-F238E27FC236}">
+                  <a16:creationId xmlns:a16="http://schemas.microsoft.com/office/drawing/2014/main" id="{3E60F10D-5784-4428-A0E3-BAE3B951D822}"/>
+                </a:ext>
+              </a:extLst>
+            </p:cNvPr>
+            <p:cNvGrpSpPr/>
+            <p:nvPr/>
+          </p:nvGrpSpPr>
+          <p:grpSpPr>
+            <a:xfrm>
+              <a:off x="5516223" y="217364"/>
+              <a:ext cx="576000" cy="576000"/>
+              <a:chOff x="1899933" y="3756375"/>
+              <a:chExt cx="576000" cy="576000"/>
+            </a:xfrm>
+          </p:grpSpPr>
+          <p:sp>
+            <p:nvSpPr>
+              <p:cNvPr id="113" name="矩形 112">
+                <a:extLst>
+                  <a:ext uri="{FF2B5EF4-FFF2-40B4-BE49-F238E27FC236}">
+                    <a16:creationId xmlns:a16="http://schemas.microsoft.com/office/drawing/2014/main" id="{A08B9982-9654-41CC-AF30-E79D04D3BD8A}"/>
+                  </a:ext>
+                </a:extLst>
+              </p:cNvPr>
+              <p:cNvSpPr/>
+              <p:nvPr/>
+            </p:nvSpPr>
+            <p:spPr>
+              <a:xfrm>
+                <a:off x="1899933" y="3756375"/>
+                <a:ext cx="288000" cy="576000"/>
+              </a:xfrm>
+              <a:prstGeom prst="rect">
+                <a:avLst/>
+              </a:prstGeom>
+              <a:ln>
+                <a:noFill/>
+              </a:ln>
+            </p:spPr>
+            <p:style>
+              <a:lnRef idx="2">
+                <a:schemeClr val="accent6">
+                  <a:shade val="50000"/>
+                </a:schemeClr>
+              </a:lnRef>
+              <a:fillRef idx="1">
+                <a:schemeClr val="accent6"/>
+              </a:fillRef>
+              <a:effectRef idx="0">
+                <a:schemeClr val="accent6"/>
+              </a:effectRef>
+              <a:fontRef idx="minor">
+                <a:schemeClr val="lt1"/>
+              </a:fontRef>
+            </p:style>
+            <p:txBody>
+              <a:bodyPr rtlCol="0" anchor="ctr"/>
+              <a:lstStyle/>
+              <a:p>
+                <a:pPr algn="ctr"/>
+                <a:endParaRPr lang="zh-CN" altLang="en-US" sz="1100" dirty="0">
+                  <a:latin typeface="Times New Roman" panose="02020603050405020304" pitchFamily="18" charset="0"/>
+                  <a:cs typeface="Times New Roman" panose="02020603050405020304" pitchFamily="18" charset="0"/>
+                </a:endParaRPr>
+              </a:p>
+            </p:txBody>
+          </p:sp>
+          <p:sp>
+            <p:nvSpPr>
+              <p:cNvPr id="114" name="矩形 113">
+                <a:extLst>
+                  <a:ext uri="{FF2B5EF4-FFF2-40B4-BE49-F238E27FC236}">
+                    <a16:creationId xmlns:a16="http://schemas.microsoft.com/office/drawing/2014/main" id="{F5C96324-AD25-427B-88FC-9257569D6433}"/>
+                  </a:ext>
+                </a:extLst>
+              </p:cNvPr>
+              <p:cNvSpPr/>
+              <p:nvPr/>
+            </p:nvSpPr>
+            <p:spPr>
+              <a:xfrm>
+                <a:off x="2187933" y="3756375"/>
+                <a:ext cx="288000" cy="576000"/>
+              </a:xfrm>
+              <a:prstGeom prst="rect">
+                <a:avLst/>
+              </a:prstGeom>
+              <a:solidFill>
+                <a:schemeClr val="accent4">
+                  <a:lumMod val="60000"/>
+                  <a:lumOff val="40000"/>
+                </a:schemeClr>
+              </a:solidFill>
+              <a:ln>
+                <a:noFill/>
+              </a:ln>
+            </p:spPr>
+            <p:style>
+              <a:lnRef idx="2">
+                <a:schemeClr val="accent1">
+                  <a:shade val="50000"/>
+                </a:schemeClr>
+              </a:lnRef>
+              <a:fillRef idx="1">
+                <a:schemeClr val="accent1"/>
+              </a:fillRef>
+              <a:effectRef idx="0">
+                <a:schemeClr val="accent1"/>
+              </a:effectRef>
+              <a:fontRef idx="minor">
+                <a:schemeClr val="lt1"/>
+              </a:fontRef>
+            </p:style>
+            <p:txBody>
+              <a:bodyPr rtlCol="0" anchor="ctr"/>
+              <a:lstStyle/>
+              <a:p>
+                <a:pPr algn="ctr"/>
+                <a:endParaRPr lang="zh-CN" altLang="en-US" dirty="0">
+                  <a:solidFill>
+                    <a:schemeClr val="tx1"/>
+                  </a:solidFill>
+                  <a:latin typeface="Times New Roman" panose="02020603050405020304" pitchFamily="18" charset="0"/>
+                  <a:cs typeface="Times New Roman" panose="02020603050405020304" pitchFamily="18" charset="0"/>
+                </a:endParaRPr>
+              </a:p>
+            </p:txBody>
+          </p:sp>
+        </p:grpSp>
+        <p:grpSp>
+          <p:nvGrpSpPr>
+            <p:cNvPr id="105" name="组合 104">
+              <a:extLst>
+                <a:ext uri="{FF2B5EF4-FFF2-40B4-BE49-F238E27FC236}">
+                  <a16:creationId xmlns:a16="http://schemas.microsoft.com/office/drawing/2014/main" id="{1F1C8F98-4286-46E8-A092-87E2850C1ABA}"/>
+                </a:ext>
+              </a:extLst>
+            </p:cNvPr>
+            <p:cNvGrpSpPr/>
+            <p:nvPr/>
+          </p:nvGrpSpPr>
+          <p:grpSpPr>
+            <a:xfrm>
+              <a:off x="6657122" y="217364"/>
+              <a:ext cx="576000" cy="576000"/>
+              <a:chOff x="3004779" y="3756375"/>
+              <a:chExt cx="576000" cy="576000"/>
+            </a:xfrm>
+          </p:grpSpPr>
+          <p:sp>
+            <p:nvSpPr>
+              <p:cNvPr id="111" name="矩形 110">
+                <a:extLst>
+                  <a:ext uri="{FF2B5EF4-FFF2-40B4-BE49-F238E27FC236}">
+                    <a16:creationId xmlns:a16="http://schemas.microsoft.com/office/drawing/2014/main" id="{F9B6F9F1-C80D-46BB-9CC6-6EF684BFCC8E}"/>
+                  </a:ext>
+                </a:extLst>
+              </p:cNvPr>
+              <p:cNvSpPr/>
+              <p:nvPr/>
+            </p:nvSpPr>
+            <p:spPr>
+              <a:xfrm>
+                <a:off x="3004779" y="3756375"/>
+                <a:ext cx="288000" cy="576000"/>
+              </a:xfrm>
+              <a:prstGeom prst="rect">
+                <a:avLst/>
+              </a:prstGeom>
+              <a:solidFill>
+                <a:schemeClr val="accent4">
+                  <a:lumMod val="60000"/>
+                  <a:lumOff val="40000"/>
+                </a:schemeClr>
+              </a:solidFill>
+              <a:ln>
+                <a:noFill/>
+              </a:ln>
+            </p:spPr>
+            <p:style>
+              <a:lnRef idx="2">
+                <a:schemeClr val="accent1">
+                  <a:shade val="50000"/>
+                </a:schemeClr>
+              </a:lnRef>
+              <a:fillRef idx="1">
+                <a:schemeClr val="accent1"/>
+              </a:fillRef>
+              <a:effectRef idx="0">
+                <a:schemeClr val="accent1"/>
+              </a:effectRef>
+              <a:fontRef idx="minor">
+                <a:schemeClr val="lt1"/>
+              </a:fontRef>
+            </p:style>
+            <p:txBody>
+              <a:bodyPr rtlCol="0" anchor="ctr"/>
+              <a:lstStyle/>
+              <a:p>
+                <a:pPr algn="ctr"/>
+                <a:endParaRPr lang="zh-CN" altLang="en-US" dirty="0">
+                  <a:solidFill>
+                    <a:schemeClr val="tx1"/>
+                  </a:solidFill>
+                  <a:latin typeface="Times New Roman" panose="02020603050405020304" pitchFamily="18" charset="0"/>
+                  <a:cs typeface="Times New Roman" panose="02020603050405020304" pitchFamily="18" charset="0"/>
+                </a:endParaRPr>
+              </a:p>
+            </p:txBody>
+          </p:sp>
+          <p:sp>
+            <p:nvSpPr>
+              <p:cNvPr id="112" name="矩形 111">
+                <a:extLst>
+                  <a:ext uri="{FF2B5EF4-FFF2-40B4-BE49-F238E27FC236}">
+                    <a16:creationId xmlns:a16="http://schemas.microsoft.com/office/drawing/2014/main" id="{0CD36D77-A18F-4B4B-A73F-EF5B8A7AD9DB}"/>
+                  </a:ext>
+                </a:extLst>
+              </p:cNvPr>
+              <p:cNvSpPr/>
+              <p:nvPr/>
+            </p:nvSpPr>
+            <p:spPr>
+              <a:xfrm>
+                <a:off x="3292779" y="3756375"/>
+                <a:ext cx="288000" cy="576000"/>
+              </a:xfrm>
+              <a:prstGeom prst="rect">
+                <a:avLst/>
+              </a:prstGeom>
+              <a:solidFill>
+                <a:schemeClr val="accent4">
+                  <a:lumMod val="60000"/>
+                  <a:lumOff val="40000"/>
+                </a:schemeClr>
+              </a:solidFill>
+              <a:ln>
+                <a:noFill/>
+              </a:ln>
+            </p:spPr>
+            <p:style>
+              <a:lnRef idx="2">
+                <a:schemeClr val="accent1">
+                  <a:shade val="50000"/>
+                </a:schemeClr>
+              </a:lnRef>
+              <a:fillRef idx="1">
+                <a:schemeClr val="accent1"/>
+              </a:fillRef>
+              <a:effectRef idx="0">
+                <a:schemeClr val="accent1"/>
+              </a:effectRef>
+              <a:fontRef idx="minor">
+                <a:schemeClr val="lt1"/>
+              </a:fontRef>
+            </p:style>
+            <p:txBody>
+              <a:bodyPr rtlCol="0" anchor="ctr"/>
+              <a:lstStyle/>
+              <a:p>
+                <a:pPr algn="ctr"/>
+                <a:endParaRPr lang="zh-CN" altLang="en-US" dirty="0">
+                  <a:solidFill>
+                    <a:schemeClr val="tx1"/>
+                  </a:solidFill>
+                  <a:latin typeface="Times New Roman" panose="02020603050405020304" pitchFamily="18" charset="0"/>
+                  <a:cs typeface="Times New Roman" panose="02020603050405020304" pitchFamily="18" charset="0"/>
+                </a:endParaRPr>
+              </a:p>
+            </p:txBody>
+          </p:sp>
+        </p:grpSp>
+        <p:cxnSp>
+          <p:nvCxnSpPr>
+            <p:cNvPr id="106" name="直接箭头连接符 105">
+              <a:extLst>
+                <a:ext uri="{FF2B5EF4-FFF2-40B4-BE49-F238E27FC236}">
+                  <a16:creationId xmlns:a16="http://schemas.microsoft.com/office/drawing/2014/main" id="{017DACFE-6EC6-4203-A7BE-240CB52A6056}"/>
+                </a:ext>
+              </a:extLst>
+            </p:cNvPr>
+            <p:cNvCxnSpPr>
+              <a:stCxn id="114" idx="3"/>
+              <a:endCxn id="111" idx="1"/>
+            </p:cNvCxnSpPr>
+            <p:nvPr/>
+          </p:nvCxnSpPr>
+          <p:spPr>
+            <a:xfrm>
+              <a:off x="6092223" y="505364"/>
+              <a:ext cx="564899" cy="0"/>
+            </a:xfrm>
+            <a:prstGeom prst="straightConnector1">
+              <a:avLst/>
+            </a:prstGeom>
+            <a:ln w="19050">
+              <a:tailEnd type="triangle"/>
+            </a:ln>
+          </p:spPr>
+          <p:style>
+            <a:lnRef idx="1">
+              <a:schemeClr val="accent6"/>
+            </a:lnRef>
+            <a:fillRef idx="0">
+              <a:schemeClr val="accent6"/>
+            </a:fillRef>
+            <a:effectRef idx="0">
+              <a:schemeClr val="accent6"/>
+            </a:effectRef>
+            <a:fontRef idx="minor">
+              <a:schemeClr val="tx1"/>
+            </a:fontRef>
+          </p:style>
+        </p:cxnSp>
+        <p:sp>
+          <p:nvSpPr>
+            <p:cNvPr id="107" name="文本框 106">
+              <a:extLst>
+                <a:ext uri="{FF2B5EF4-FFF2-40B4-BE49-F238E27FC236}">
+                  <a16:creationId xmlns:a16="http://schemas.microsoft.com/office/drawing/2014/main" id="{57587FDB-8540-4126-ACE4-ED2CD6759C5F}"/>
+                </a:ext>
+              </a:extLst>
+            </p:cNvPr>
+            <p:cNvSpPr txBox="1"/>
+            <p:nvPr/>
+          </p:nvSpPr>
+          <p:spPr>
+            <a:xfrm>
+              <a:off x="4120402" y="785877"/>
+              <a:ext cx="1042444" cy="307777"/>
+            </a:xfrm>
+            <a:prstGeom prst="rect">
+              <a:avLst/>
+            </a:prstGeom>
+            <a:noFill/>
+          </p:spPr>
+          <p:txBody>
+            <a:bodyPr wrap="square" rtlCol="0">
+              <a:spAutoFit/>
+            </a:bodyPr>
+            <a:lstStyle/>
+            <a:p>
+              <a:pPr algn="ctr"/>
+              <a:r>
+                <a:rPr lang="en-US" altLang="zh-CN" sz="1400" dirty="0">
+                  <a:latin typeface="Times New Roman" panose="02020603050405020304" pitchFamily="18" charset="0"/>
+                  <a:cs typeface="Times New Roman" panose="02020603050405020304" pitchFamily="18" charset="0"/>
+                </a:rPr>
+                <a:t>NF 1 (2ms)</a:t>
+              </a:r>
+              <a:endParaRPr lang="zh-CN" altLang="en-US" sz="1400" dirty="0">
+                <a:latin typeface="Times New Roman" panose="02020603050405020304" pitchFamily="18" charset="0"/>
+                <a:cs typeface="Times New Roman" panose="02020603050405020304" pitchFamily="18" charset="0"/>
+              </a:endParaRPr>
+            </a:p>
+          </p:txBody>
+        </p:sp>
+        <p:sp>
+          <p:nvSpPr>
+            <p:cNvPr id="108" name="文本框 107">
+              <a:extLst>
+                <a:ext uri="{FF2B5EF4-FFF2-40B4-BE49-F238E27FC236}">
+                  <a16:creationId xmlns:a16="http://schemas.microsoft.com/office/drawing/2014/main" id="{33452037-814B-4956-A339-FD8BC783A56E}"/>
+                </a:ext>
+              </a:extLst>
+            </p:cNvPr>
+            <p:cNvSpPr txBox="1"/>
+            <p:nvPr/>
+          </p:nvSpPr>
+          <p:spPr>
+            <a:xfrm>
+              <a:off x="5283001" y="806423"/>
+              <a:ext cx="1042444" cy="307777"/>
+            </a:xfrm>
+            <a:prstGeom prst="rect">
+              <a:avLst/>
+            </a:prstGeom>
+            <a:noFill/>
+          </p:spPr>
+          <p:txBody>
+            <a:bodyPr wrap="square" rtlCol="0">
+              <a:spAutoFit/>
+            </a:bodyPr>
+            <a:lstStyle/>
+            <a:p>
+              <a:pPr algn="ctr"/>
+              <a:r>
+                <a:rPr lang="en-US" altLang="zh-CN" sz="1400" dirty="0">
+                  <a:latin typeface="Times New Roman" panose="02020603050405020304" pitchFamily="18" charset="0"/>
+                  <a:cs typeface="Times New Roman" panose="02020603050405020304" pitchFamily="18" charset="0"/>
+                </a:rPr>
+                <a:t>NF 2 (2ms)</a:t>
+              </a:r>
+              <a:endParaRPr lang="zh-CN" altLang="en-US" sz="1400" dirty="0">
+                <a:latin typeface="Times New Roman" panose="02020603050405020304" pitchFamily="18" charset="0"/>
+                <a:cs typeface="Times New Roman" panose="02020603050405020304" pitchFamily="18" charset="0"/>
+              </a:endParaRPr>
+            </a:p>
+          </p:txBody>
+        </p:sp>
+        <p:sp>
+          <p:nvSpPr>
+            <p:cNvPr id="109" name="文本框 108">
+              <a:extLst>
+                <a:ext uri="{FF2B5EF4-FFF2-40B4-BE49-F238E27FC236}">
+                  <a16:creationId xmlns:a16="http://schemas.microsoft.com/office/drawing/2014/main" id="{58D0D824-C61F-4F4E-93B7-C2BD25949A72}"/>
+                </a:ext>
+              </a:extLst>
+            </p:cNvPr>
+            <p:cNvSpPr txBox="1"/>
+            <p:nvPr/>
+          </p:nvSpPr>
+          <p:spPr>
+            <a:xfrm>
+              <a:off x="6445600" y="806423"/>
+              <a:ext cx="1042444" cy="307777"/>
+            </a:xfrm>
+            <a:prstGeom prst="rect">
+              <a:avLst/>
+            </a:prstGeom>
+            <a:noFill/>
+          </p:spPr>
+          <p:txBody>
+            <a:bodyPr wrap="square" rtlCol="0">
+              <a:spAutoFit/>
+            </a:bodyPr>
+            <a:lstStyle/>
+            <a:p>
+              <a:pPr algn="ctr"/>
+              <a:r>
+                <a:rPr lang="en-US" altLang="zh-CN" sz="1400" dirty="0">
+                  <a:latin typeface="Times New Roman" panose="02020603050405020304" pitchFamily="18" charset="0"/>
+                  <a:cs typeface="Times New Roman" panose="02020603050405020304" pitchFamily="18" charset="0"/>
+                </a:rPr>
+                <a:t>NF 3 (1ms)</a:t>
+              </a:r>
+              <a:endParaRPr lang="zh-CN" altLang="en-US" sz="1400" dirty="0">
+                <a:latin typeface="Times New Roman" panose="02020603050405020304" pitchFamily="18" charset="0"/>
+                <a:cs typeface="Times New Roman" panose="02020603050405020304" pitchFamily="18" charset="0"/>
+              </a:endParaRPr>
+            </a:p>
+          </p:txBody>
+        </p:sp>
+        <p:cxnSp>
+          <p:nvCxnSpPr>
+            <p:cNvPr id="110" name="直接箭头连接符 109">
+              <a:extLst>
+                <a:ext uri="{FF2B5EF4-FFF2-40B4-BE49-F238E27FC236}">
+                  <a16:creationId xmlns:a16="http://schemas.microsoft.com/office/drawing/2014/main" id="{1745DE7E-D013-437C-B982-7B4E66409EFA}"/>
+                </a:ext>
+              </a:extLst>
+            </p:cNvPr>
+            <p:cNvCxnSpPr>
+              <a:endCxn id="113" idx="1"/>
+            </p:cNvCxnSpPr>
+            <p:nvPr/>
+          </p:nvCxnSpPr>
+          <p:spPr>
+            <a:xfrm>
+              <a:off x="4951325" y="505364"/>
+              <a:ext cx="564898" cy="0"/>
+            </a:xfrm>
+            <a:prstGeom prst="straightConnector1">
+              <a:avLst/>
+            </a:prstGeom>
+            <a:ln w="19050">
+              <a:tailEnd type="triangle"/>
+            </a:ln>
+          </p:spPr>
+          <p:style>
+            <a:lnRef idx="1">
+              <a:schemeClr val="accent6"/>
+            </a:lnRef>
+            <a:fillRef idx="0">
+              <a:schemeClr val="accent6"/>
+            </a:fillRef>
+            <a:effectRef idx="0">
+              <a:schemeClr val="accent6"/>
+            </a:effectRef>
+            <a:fontRef idx="minor">
+              <a:schemeClr val="tx1"/>
+            </a:fontRef>
+          </p:style>
+        </p:cxnSp>
+      </p:grpSp>
+      <p:grpSp>
+        <p:nvGrpSpPr>
+          <p:cNvPr id="117" name="组合 116">
+            <a:extLst>
+              <a:ext uri="{FF2B5EF4-FFF2-40B4-BE49-F238E27FC236}">
+                <a16:creationId xmlns:a16="http://schemas.microsoft.com/office/drawing/2014/main" id="{8DE63212-0BBB-4386-9990-4737B285BB27}"/>
+              </a:ext>
+            </a:extLst>
+          </p:cNvPr>
+          <p:cNvGrpSpPr/>
+          <p:nvPr/>
+        </p:nvGrpSpPr>
+        <p:grpSpPr>
+          <a:xfrm>
+            <a:off x="3258160" y="1801890"/>
+            <a:ext cx="1778702" cy="2259217"/>
+            <a:chOff x="738238" y="862290"/>
+            <a:chExt cx="1778702" cy="2259217"/>
+          </a:xfrm>
+        </p:grpSpPr>
+        <p:sp>
+          <p:nvSpPr>
+            <p:cNvPr id="118" name="矩形 117">
+              <a:extLst>
+                <a:ext uri="{FF2B5EF4-FFF2-40B4-BE49-F238E27FC236}">
+                  <a16:creationId xmlns:a16="http://schemas.microsoft.com/office/drawing/2014/main" id="{FD96179F-37D1-4DA8-B24F-5F3B406050DD}"/>
+                </a:ext>
+              </a:extLst>
+            </p:cNvPr>
+            <p:cNvSpPr/>
+            <p:nvPr/>
+          </p:nvSpPr>
+          <p:spPr>
+            <a:xfrm>
+              <a:off x="738238" y="862290"/>
+              <a:ext cx="1002735" cy="1917950"/>
+            </a:xfrm>
+            <a:prstGeom prst="rect">
+              <a:avLst/>
+            </a:prstGeom>
+            <a:noFill/>
+            <a:ln w="19050">
+              <a:solidFill>
+                <a:schemeClr val="tx1"/>
+              </a:solidFill>
+              <a:prstDash val="sysDash"/>
+            </a:ln>
+          </p:spPr>
+          <p:style>
+            <a:lnRef idx="2">
+              <a:schemeClr val="accent3">
+                <a:shade val="50000"/>
+              </a:schemeClr>
+            </a:lnRef>
+            <a:fillRef idx="1">
+              <a:schemeClr val="accent3"/>
+            </a:fillRef>
+            <a:effectRef idx="0">
+              <a:schemeClr val="accent3"/>
+            </a:effectRef>
+            <a:fontRef idx="minor">
+              <a:schemeClr val="lt1"/>
+            </a:fontRef>
+          </p:style>
+          <p:txBody>
+            <a:bodyPr rtlCol="0" anchor="ctr"/>
+            <a:lstStyle/>
+            <a:p>
+              <a:pPr algn="ctr"/>
+              <a:endParaRPr lang="zh-CN" altLang="en-US"/>
+            </a:p>
+          </p:txBody>
+        </p:sp>
+        <p:grpSp>
+          <p:nvGrpSpPr>
+            <p:cNvPr id="119" name="组合 118">
+              <a:extLst>
+                <a:ext uri="{FF2B5EF4-FFF2-40B4-BE49-F238E27FC236}">
+                  <a16:creationId xmlns:a16="http://schemas.microsoft.com/office/drawing/2014/main" id="{52F4B62C-5269-467F-A09D-95F2B168C2FE}"/>
+                </a:ext>
+              </a:extLst>
+            </p:cNvPr>
+            <p:cNvGrpSpPr/>
+            <p:nvPr/>
+          </p:nvGrpSpPr>
+          <p:grpSpPr>
+            <a:xfrm>
+              <a:off x="962129" y="1461632"/>
+              <a:ext cx="576000" cy="576000"/>
+              <a:chOff x="789279" y="4255952"/>
+              <a:chExt cx="576000" cy="576000"/>
+            </a:xfrm>
+          </p:grpSpPr>
+          <p:sp>
+            <p:nvSpPr>
+              <p:cNvPr id="130" name="矩形 129">
+                <a:extLst>
+                  <a:ext uri="{FF2B5EF4-FFF2-40B4-BE49-F238E27FC236}">
+                    <a16:creationId xmlns:a16="http://schemas.microsoft.com/office/drawing/2014/main" id="{95ACC4B5-2BE8-4331-BF68-D476A79A56A1}"/>
+                  </a:ext>
+                </a:extLst>
+              </p:cNvPr>
+              <p:cNvSpPr/>
+              <p:nvPr/>
+            </p:nvSpPr>
+            <p:spPr>
+              <a:xfrm>
+                <a:off x="789279" y="4255952"/>
+                <a:ext cx="288000" cy="576000"/>
+              </a:xfrm>
+              <a:prstGeom prst="rect">
+                <a:avLst/>
+              </a:prstGeom>
+              <a:ln>
+                <a:noFill/>
+              </a:ln>
+            </p:spPr>
+            <p:style>
+              <a:lnRef idx="2">
+                <a:schemeClr val="accent6">
+                  <a:shade val="50000"/>
+                </a:schemeClr>
+              </a:lnRef>
+              <a:fillRef idx="1">
+                <a:schemeClr val="accent6"/>
+              </a:fillRef>
+              <a:effectRef idx="0">
+                <a:schemeClr val="accent6"/>
+              </a:effectRef>
+              <a:fontRef idx="minor">
+                <a:schemeClr val="lt1"/>
+              </a:fontRef>
+            </p:style>
+            <p:txBody>
+              <a:bodyPr rtlCol="0" anchor="ctr"/>
+              <a:lstStyle/>
+              <a:p>
+                <a:pPr algn="ctr"/>
+                <a:endParaRPr lang="zh-CN" altLang="en-US" sz="1100" dirty="0">
+                  <a:latin typeface="Times New Roman" panose="02020603050405020304" pitchFamily="18" charset="0"/>
+                  <a:cs typeface="Times New Roman" panose="02020603050405020304" pitchFamily="18" charset="0"/>
+                </a:endParaRPr>
+              </a:p>
+            </p:txBody>
+          </p:sp>
+          <p:sp>
+            <p:nvSpPr>
+              <p:cNvPr id="131" name="矩形 130">
+                <a:extLst>
+                  <a:ext uri="{FF2B5EF4-FFF2-40B4-BE49-F238E27FC236}">
+                    <a16:creationId xmlns:a16="http://schemas.microsoft.com/office/drawing/2014/main" id="{330619DA-635F-4F69-A940-CBB3A496824D}"/>
+                  </a:ext>
+                </a:extLst>
+              </p:cNvPr>
+              <p:cNvSpPr/>
+              <p:nvPr/>
+            </p:nvSpPr>
+            <p:spPr>
+              <a:xfrm>
+                <a:off x="1077279" y="4255952"/>
+                <a:ext cx="288000" cy="576000"/>
+              </a:xfrm>
+              <a:prstGeom prst="rect">
+                <a:avLst/>
+              </a:prstGeom>
+              <a:ln>
+                <a:noFill/>
+              </a:ln>
+            </p:spPr>
+            <p:style>
+              <a:lnRef idx="2">
+                <a:schemeClr val="accent6">
+                  <a:shade val="50000"/>
+                </a:schemeClr>
+              </a:lnRef>
+              <a:fillRef idx="1">
+                <a:schemeClr val="accent6"/>
+              </a:fillRef>
+              <a:effectRef idx="0">
+                <a:schemeClr val="accent6"/>
+              </a:effectRef>
+              <a:fontRef idx="minor">
+                <a:schemeClr val="lt1"/>
+              </a:fontRef>
+            </p:style>
+            <p:txBody>
+              <a:bodyPr rtlCol="0" anchor="ctr"/>
+              <a:lstStyle/>
+              <a:p>
+                <a:pPr algn="ctr"/>
+                <a:endParaRPr lang="zh-CN" altLang="en-US" sz="1100" dirty="0">
+                  <a:latin typeface="Times New Roman" panose="02020603050405020304" pitchFamily="18" charset="0"/>
+                  <a:cs typeface="Times New Roman" panose="02020603050405020304" pitchFamily="18" charset="0"/>
+                </a:endParaRPr>
+              </a:p>
+            </p:txBody>
+          </p:sp>
+        </p:grpSp>
+        <p:grpSp>
+          <p:nvGrpSpPr>
+            <p:cNvPr id="120" name="组合 119">
+              <a:extLst>
+                <a:ext uri="{FF2B5EF4-FFF2-40B4-BE49-F238E27FC236}">
+                  <a16:creationId xmlns:a16="http://schemas.microsoft.com/office/drawing/2014/main" id="{BBBB0D70-6DC5-4D9D-89D7-024517CB1BF0}"/>
+                </a:ext>
+              </a:extLst>
+            </p:cNvPr>
+            <p:cNvGrpSpPr/>
+            <p:nvPr/>
+          </p:nvGrpSpPr>
+          <p:grpSpPr>
+            <a:xfrm>
+              <a:off x="962129" y="2107728"/>
+              <a:ext cx="576000" cy="576000"/>
+              <a:chOff x="1966230" y="3750048"/>
+              <a:chExt cx="576000" cy="576000"/>
+            </a:xfrm>
+          </p:grpSpPr>
+          <p:sp>
+            <p:nvSpPr>
+              <p:cNvPr id="128" name="矩形 127">
+                <a:extLst>
+                  <a:ext uri="{FF2B5EF4-FFF2-40B4-BE49-F238E27FC236}">
+                    <a16:creationId xmlns:a16="http://schemas.microsoft.com/office/drawing/2014/main" id="{129AAAC3-9F2D-45F4-B6D3-55A48114538F}"/>
+                  </a:ext>
+                </a:extLst>
+              </p:cNvPr>
+              <p:cNvSpPr/>
+              <p:nvPr/>
+            </p:nvSpPr>
+            <p:spPr>
+              <a:xfrm>
+                <a:off x="1966230" y="3750048"/>
+                <a:ext cx="288000" cy="576000"/>
+              </a:xfrm>
+              <a:prstGeom prst="rect">
+                <a:avLst/>
+              </a:prstGeom>
+              <a:ln>
+                <a:noFill/>
+              </a:ln>
+            </p:spPr>
+            <p:style>
+              <a:lnRef idx="2">
+                <a:schemeClr val="accent6">
+                  <a:shade val="50000"/>
+                </a:schemeClr>
+              </a:lnRef>
+              <a:fillRef idx="1">
+                <a:schemeClr val="accent6"/>
+              </a:fillRef>
+              <a:effectRef idx="0">
+                <a:schemeClr val="accent6"/>
+              </a:effectRef>
+              <a:fontRef idx="minor">
+                <a:schemeClr val="lt1"/>
+              </a:fontRef>
+            </p:style>
+            <p:txBody>
+              <a:bodyPr rtlCol="0" anchor="ctr"/>
+              <a:lstStyle/>
+              <a:p>
+                <a:pPr algn="ctr"/>
+                <a:endParaRPr lang="zh-CN" altLang="en-US" sz="1100" dirty="0">
+                  <a:latin typeface="Times New Roman" panose="02020603050405020304" pitchFamily="18" charset="0"/>
+                  <a:cs typeface="Times New Roman" panose="02020603050405020304" pitchFamily="18" charset="0"/>
+                </a:endParaRPr>
+              </a:p>
+            </p:txBody>
+          </p:sp>
+          <p:sp>
+            <p:nvSpPr>
+              <p:cNvPr id="129" name="矩形 128">
+                <a:extLst>
+                  <a:ext uri="{FF2B5EF4-FFF2-40B4-BE49-F238E27FC236}">
+                    <a16:creationId xmlns:a16="http://schemas.microsoft.com/office/drawing/2014/main" id="{F68A5C93-8A55-4469-9CAA-1F16AEF0AFA2}"/>
+                  </a:ext>
+                </a:extLst>
+              </p:cNvPr>
+              <p:cNvSpPr/>
+              <p:nvPr/>
+            </p:nvSpPr>
+            <p:spPr>
+              <a:xfrm>
+                <a:off x="2254230" y="3750048"/>
+                <a:ext cx="288000" cy="576000"/>
+              </a:xfrm>
+              <a:prstGeom prst="rect">
+                <a:avLst/>
+              </a:prstGeom>
+              <a:solidFill>
+                <a:schemeClr val="accent4">
+                  <a:lumMod val="60000"/>
+                  <a:lumOff val="40000"/>
+                </a:schemeClr>
+              </a:solidFill>
+              <a:ln>
+                <a:noFill/>
+              </a:ln>
+            </p:spPr>
+            <p:style>
+              <a:lnRef idx="2">
+                <a:schemeClr val="accent1">
+                  <a:shade val="50000"/>
+                </a:schemeClr>
+              </a:lnRef>
+              <a:fillRef idx="1">
+                <a:schemeClr val="accent1"/>
+              </a:fillRef>
+              <a:effectRef idx="0">
+                <a:schemeClr val="accent1"/>
+              </a:effectRef>
+              <a:fontRef idx="minor">
+                <a:schemeClr val="lt1"/>
+              </a:fontRef>
+            </p:style>
+            <p:txBody>
+              <a:bodyPr rtlCol="0" anchor="ctr"/>
+              <a:lstStyle/>
+              <a:p>
+                <a:pPr algn="ctr"/>
+                <a:endParaRPr lang="zh-CN" altLang="en-US" dirty="0">
+                  <a:solidFill>
+                    <a:schemeClr val="tx1"/>
+                  </a:solidFill>
+                  <a:latin typeface="Times New Roman" panose="02020603050405020304" pitchFamily="18" charset="0"/>
+                  <a:cs typeface="Times New Roman" panose="02020603050405020304" pitchFamily="18" charset="0"/>
+                </a:endParaRPr>
+              </a:p>
+            </p:txBody>
+          </p:sp>
+        </p:grpSp>
+        <p:grpSp>
+          <p:nvGrpSpPr>
+            <p:cNvPr id="121" name="组合 120">
+              <a:extLst>
+                <a:ext uri="{FF2B5EF4-FFF2-40B4-BE49-F238E27FC236}">
+                  <a16:creationId xmlns:a16="http://schemas.microsoft.com/office/drawing/2014/main" id="{31A4CD16-6C1A-4655-B06D-538CD68C4511}"/>
+                </a:ext>
+              </a:extLst>
+            </p:cNvPr>
+            <p:cNvGrpSpPr/>
+            <p:nvPr/>
+          </p:nvGrpSpPr>
+          <p:grpSpPr>
+            <a:xfrm>
+              <a:off x="1940940" y="1752279"/>
+              <a:ext cx="576000" cy="576000"/>
+              <a:chOff x="2872613" y="3970599"/>
+              <a:chExt cx="576000" cy="576000"/>
+            </a:xfrm>
+          </p:grpSpPr>
+          <p:sp>
+            <p:nvSpPr>
+              <p:cNvPr id="126" name="矩形 125">
+                <a:extLst>
+                  <a:ext uri="{FF2B5EF4-FFF2-40B4-BE49-F238E27FC236}">
+                    <a16:creationId xmlns:a16="http://schemas.microsoft.com/office/drawing/2014/main" id="{ED80829A-156B-43F3-BDA6-D79C1AED4BB4}"/>
+                  </a:ext>
+                </a:extLst>
+              </p:cNvPr>
+              <p:cNvSpPr/>
+              <p:nvPr/>
+            </p:nvSpPr>
+            <p:spPr>
+              <a:xfrm>
+                <a:off x="2872613" y="3970599"/>
+                <a:ext cx="288000" cy="576000"/>
+              </a:xfrm>
+              <a:prstGeom prst="rect">
+                <a:avLst/>
+              </a:prstGeom>
+              <a:solidFill>
+                <a:schemeClr val="accent4">
+                  <a:lumMod val="60000"/>
+                  <a:lumOff val="40000"/>
+                </a:schemeClr>
+              </a:solidFill>
+              <a:ln>
+                <a:noFill/>
+              </a:ln>
+            </p:spPr>
+            <p:style>
+              <a:lnRef idx="2">
+                <a:schemeClr val="accent1">
+                  <a:shade val="50000"/>
+                </a:schemeClr>
+              </a:lnRef>
+              <a:fillRef idx="1">
+                <a:schemeClr val="accent1"/>
+              </a:fillRef>
+              <a:effectRef idx="0">
+                <a:schemeClr val="accent1"/>
+              </a:effectRef>
+              <a:fontRef idx="minor">
+                <a:schemeClr val="lt1"/>
+              </a:fontRef>
+            </p:style>
+            <p:txBody>
+              <a:bodyPr rtlCol="0" anchor="ctr"/>
+              <a:lstStyle/>
+              <a:p>
+                <a:pPr algn="ctr"/>
+                <a:endParaRPr lang="zh-CN" altLang="en-US" dirty="0">
+                  <a:solidFill>
+                    <a:schemeClr val="tx1"/>
+                  </a:solidFill>
+                  <a:latin typeface="Times New Roman" panose="02020603050405020304" pitchFamily="18" charset="0"/>
+                  <a:cs typeface="Times New Roman" panose="02020603050405020304" pitchFamily="18" charset="0"/>
+                </a:endParaRPr>
+              </a:p>
+            </p:txBody>
+          </p:sp>
+          <p:sp>
+            <p:nvSpPr>
+              <p:cNvPr id="127" name="矩形 126">
+                <a:extLst>
+                  <a:ext uri="{FF2B5EF4-FFF2-40B4-BE49-F238E27FC236}">
+                    <a16:creationId xmlns:a16="http://schemas.microsoft.com/office/drawing/2014/main" id="{89D706E6-2727-412D-AECE-29D02D253C10}"/>
+                  </a:ext>
+                </a:extLst>
+              </p:cNvPr>
+              <p:cNvSpPr/>
+              <p:nvPr/>
+            </p:nvSpPr>
+            <p:spPr>
+              <a:xfrm>
+                <a:off x="3160613" y="3970599"/>
+                <a:ext cx="288000" cy="576000"/>
+              </a:xfrm>
+              <a:prstGeom prst="rect">
+                <a:avLst/>
+              </a:prstGeom>
+              <a:solidFill>
+                <a:schemeClr val="accent4">
+                  <a:lumMod val="60000"/>
+                  <a:lumOff val="40000"/>
+                </a:schemeClr>
+              </a:solidFill>
+              <a:ln>
+                <a:noFill/>
+              </a:ln>
+            </p:spPr>
+            <p:style>
+              <a:lnRef idx="2">
+                <a:schemeClr val="accent1">
+                  <a:shade val="50000"/>
+                </a:schemeClr>
+              </a:lnRef>
+              <a:fillRef idx="1">
+                <a:schemeClr val="accent1"/>
+              </a:fillRef>
+              <a:effectRef idx="0">
+                <a:schemeClr val="accent1"/>
+              </a:effectRef>
+              <a:fontRef idx="minor">
+                <a:schemeClr val="lt1"/>
+              </a:fontRef>
+            </p:style>
+            <p:txBody>
+              <a:bodyPr rtlCol="0" anchor="ctr"/>
+              <a:lstStyle/>
+              <a:p>
+                <a:pPr algn="ctr"/>
+                <a:endParaRPr lang="zh-CN" altLang="en-US" dirty="0">
+                  <a:solidFill>
+                    <a:schemeClr val="tx1"/>
+                  </a:solidFill>
+                  <a:latin typeface="Times New Roman" panose="02020603050405020304" pitchFamily="18" charset="0"/>
+                  <a:cs typeface="Times New Roman" panose="02020603050405020304" pitchFamily="18" charset="0"/>
+                </a:endParaRPr>
+              </a:p>
+            </p:txBody>
+          </p:sp>
+        </p:grpSp>
+        <p:sp>
+          <p:nvSpPr>
+            <p:cNvPr id="122" name="文本框 121">
+              <a:extLst>
+                <a:ext uri="{FF2B5EF4-FFF2-40B4-BE49-F238E27FC236}">
+                  <a16:creationId xmlns:a16="http://schemas.microsoft.com/office/drawing/2014/main" id="{F531F9D5-887B-415C-9D41-F7A78F1EE5D4}"/>
+                </a:ext>
+              </a:extLst>
+            </p:cNvPr>
+            <p:cNvSpPr txBox="1"/>
+            <p:nvPr/>
+          </p:nvSpPr>
+          <p:spPr>
+            <a:xfrm>
+              <a:off x="815546" y="2813730"/>
+              <a:ext cx="1524485" cy="307777"/>
+            </a:xfrm>
+            <a:prstGeom prst="rect">
+              <a:avLst/>
+            </a:prstGeom>
+            <a:noFill/>
+          </p:spPr>
+          <p:txBody>
+            <a:bodyPr wrap="square" rtlCol="0">
+              <a:spAutoFit/>
+            </a:bodyPr>
+            <a:lstStyle/>
+            <a:p>
+              <a:pPr algn="ctr"/>
+              <a:r>
+                <a:rPr lang="en-US" altLang="zh-CN" sz="1400" dirty="0">
+                  <a:latin typeface="Times New Roman" panose="02020603050405020304" pitchFamily="18" charset="0"/>
+                  <a:cs typeface="Times New Roman" panose="02020603050405020304" pitchFamily="18" charset="0"/>
+                </a:rPr>
+                <a:t>Total latency: 3ms</a:t>
+              </a:r>
+              <a:endParaRPr lang="zh-CN" altLang="en-US" sz="1400" dirty="0">
+                <a:latin typeface="Times New Roman" panose="02020603050405020304" pitchFamily="18" charset="0"/>
+                <a:cs typeface="Times New Roman" panose="02020603050405020304" pitchFamily="18" charset="0"/>
+              </a:endParaRPr>
+            </a:p>
+          </p:txBody>
+        </p:sp>
+        <p:sp>
+          <p:nvSpPr>
+            <p:cNvPr id="123" name="文本框 122">
+              <a:extLst>
+                <a:ext uri="{FF2B5EF4-FFF2-40B4-BE49-F238E27FC236}">
+                  <a16:creationId xmlns:a16="http://schemas.microsoft.com/office/drawing/2014/main" id="{A01A5100-9FB4-4986-B304-742D9082DB7B}"/>
+                </a:ext>
+              </a:extLst>
+            </p:cNvPr>
+            <p:cNvSpPr txBox="1"/>
+            <p:nvPr/>
+          </p:nvSpPr>
+          <p:spPr>
+            <a:xfrm>
+              <a:off x="774916" y="880040"/>
+              <a:ext cx="929377" cy="523220"/>
+            </a:xfrm>
+            <a:prstGeom prst="rect">
+              <a:avLst/>
+            </a:prstGeom>
+            <a:noFill/>
+          </p:spPr>
+          <p:txBody>
+            <a:bodyPr wrap="square" rtlCol="0">
+              <a:spAutoFit/>
+            </a:bodyPr>
+            <a:lstStyle/>
+            <a:p>
+              <a:pPr algn="ctr"/>
+              <a:r>
+                <a:rPr lang="en-US" altLang="zh-CN" sz="1400" dirty="0">
+                  <a:latin typeface="Times New Roman" panose="02020603050405020304" pitchFamily="18" charset="0"/>
+                  <a:cs typeface="Times New Roman" panose="02020603050405020304" pitchFamily="18" charset="0"/>
+                </a:rPr>
+                <a:t>Running in parallel</a:t>
+              </a:r>
+              <a:endParaRPr lang="zh-CN" altLang="en-US" sz="1400" dirty="0">
+                <a:latin typeface="Times New Roman" panose="02020603050405020304" pitchFamily="18" charset="0"/>
+                <a:cs typeface="Times New Roman" panose="02020603050405020304" pitchFamily="18" charset="0"/>
+              </a:endParaRPr>
+            </a:p>
+          </p:txBody>
+        </p:sp>
+        <p:cxnSp>
+          <p:nvCxnSpPr>
+            <p:cNvPr id="124" name="直接箭头连接符 123">
+              <a:extLst>
+                <a:ext uri="{FF2B5EF4-FFF2-40B4-BE49-F238E27FC236}">
+                  <a16:creationId xmlns:a16="http://schemas.microsoft.com/office/drawing/2014/main" id="{D2C3082D-5194-4291-A44A-A7D73004FD24}"/>
+                </a:ext>
+              </a:extLst>
+            </p:cNvPr>
+            <p:cNvCxnSpPr>
+              <a:stCxn id="131" idx="3"/>
+              <a:endCxn id="126" idx="1"/>
+            </p:cNvCxnSpPr>
+            <p:nvPr/>
+          </p:nvCxnSpPr>
+          <p:spPr>
+            <a:xfrm>
+              <a:off x="1538129" y="1749632"/>
+              <a:ext cx="402811" cy="290647"/>
+            </a:xfrm>
+            <a:prstGeom prst="straightConnector1">
+              <a:avLst/>
+            </a:prstGeom>
+            <a:ln w="19050">
+              <a:tailEnd type="triangle"/>
+            </a:ln>
+          </p:spPr>
+          <p:style>
+            <a:lnRef idx="1">
+              <a:schemeClr val="accent6"/>
+            </a:lnRef>
+            <a:fillRef idx="0">
+              <a:schemeClr val="accent6"/>
+            </a:fillRef>
+            <a:effectRef idx="0">
+              <a:schemeClr val="accent6"/>
+            </a:effectRef>
+            <a:fontRef idx="minor">
+              <a:schemeClr val="tx1"/>
+            </a:fontRef>
+          </p:style>
+        </p:cxnSp>
+        <p:cxnSp>
+          <p:nvCxnSpPr>
+            <p:cNvPr id="125" name="直接箭头连接符 124">
+              <a:extLst>
+                <a:ext uri="{FF2B5EF4-FFF2-40B4-BE49-F238E27FC236}">
+                  <a16:creationId xmlns:a16="http://schemas.microsoft.com/office/drawing/2014/main" id="{589D16F1-6699-42CC-9671-C957A51A0241}"/>
+                </a:ext>
+              </a:extLst>
+            </p:cNvPr>
+            <p:cNvCxnSpPr>
+              <a:stCxn id="129" idx="3"/>
+              <a:endCxn id="126" idx="1"/>
+            </p:cNvCxnSpPr>
+            <p:nvPr/>
+          </p:nvCxnSpPr>
+          <p:spPr>
+            <a:xfrm flipV="1">
+              <a:off x="1538129" y="2040279"/>
+              <a:ext cx="402811" cy="355449"/>
+            </a:xfrm>
+            <a:prstGeom prst="straightConnector1">
+              <a:avLst/>
+            </a:prstGeom>
+            <a:ln w="19050">
+              <a:tailEnd type="triangle"/>
+            </a:ln>
+          </p:spPr>
+          <p:style>
+            <a:lnRef idx="1">
+              <a:schemeClr val="accent6"/>
+            </a:lnRef>
+            <a:fillRef idx="0">
+              <a:schemeClr val="accent6"/>
+            </a:fillRef>
+            <a:effectRef idx="0">
+              <a:schemeClr val="accent6"/>
+            </a:effectRef>
+            <a:fontRef idx="minor">
+              <a:schemeClr val="tx1"/>
+            </a:fontRef>
+          </p:style>
+        </p:cxnSp>
+      </p:grpSp>
+      <p:grpSp>
+        <p:nvGrpSpPr>
+          <p:cNvPr id="132" name="组合 131">
+            <a:extLst>
+              <a:ext uri="{FF2B5EF4-FFF2-40B4-BE49-F238E27FC236}">
+                <a16:creationId xmlns:a16="http://schemas.microsoft.com/office/drawing/2014/main" id="{A34D6886-353A-4F4B-894C-5D9C2174966E}"/>
+              </a:ext>
+            </a:extLst>
+          </p:cNvPr>
+          <p:cNvGrpSpPr/>
+          <p:nvPr/>
+        </p:nvGrpSpPr>
+        <p:grpSpPr>
+          <a:xfrm rot="5400000">
+            <a:off x="6424152" y="2318519"/>
+            <a:ext cx="2550955" cy="1524485"/>
+            <a:chOff x="8313415" y="1425579"/>
+            <a:chExt cx="2550955" cy="1524485"/>
+          </a:xfrm>
+        </p:grpSpPr>
+        <p:grpSp>
+          <p:nvGrpSpPr>
+            <p:cNvPr id="133" name="组合 132">
+              <a:extLst>
+                <a:ext uri="{FF2B5EF4-FFF2-40B4-BE49-F238E27FC236}">
+                  <a16:creationId xmlns:a16="http://schemas.microsoft.com/office/drawing/2014/main" id="{E91AF25C-7474-40D0-BFE6-E7D5A506D19B}"/>
+                </a:ext>
+              </a:extLst>
+            </p:cNvPr>
+            <p:cNvGrpSpPr/>
+            <p:nvPr/>
+          </p:nvGrpSpPr>
+          <p:grpSpPr>
+            <a:xfrm>
+              <a:off x="8313415" y="1940232"/>
+              <a:ext cx="576000" cy="576000"/>
+              <a:chOff x="722982" y="3756375"/>
+              <a:chExt cx="576000" cy="576000"/>
+            </a:xfrm>
+          </p:grpSpPr>
+          <p:sp>
+            <p:nvSpPr>
+              <p:cNvPr id="143" name="矩形 142">
+                <a:extLst>
+                  <a:ext uri="{FF2B5EF4-FFF2-40B4-BE49-F238E27FC236}">
+                    <a16:creationId xmlns:a16="http://schemas.microsoft.com/office/drawing/2014/main" id="{96D4353C-7600-4B9A-89A2-4E3CE4CEB248}"/>
+                  </a:ext>
+                </a:extLst>
+              </p:cNvPr>
+              <p:cNvSpPr/>
+              <p:nvPr/>
+            </p:nvSpPr>
+            <p:spPr>
+              <a:xfrm>
+                <a:off x="722982" y="3756375"/>
+                <a:ext cx="288000" cy="576000"/>
+              </a:xfrm>
+              <a:prstGeom prst="rect">
+                <a:avLst/>
+              </a:prstGeom>
+              <a:ln>
+                <a:noFill/>
+              </a:ln>
+            </p:spPr>
+            <p:style>
+              <a:lnRef idx="2">
+                <a:schemeClr val="accent6">
+                  <a:shade val="50000"/>
+                </a:schemeClr>
+              </a:lnRef>
+              <a:fillRef idx="1">
+                <a:schemeClr val="accent6"/>
+              </a:fillRef>
+              <a:effectRef idx="0">
+                <a:schemeClr val="accent6"/>
+              </a:effectRef>
+              <a:fontRef idx="minor">
+                <a:schemeClr val="lt1"/>
+              </a:fontRef>
+            </p:style>
+            <p:txBody>
+              <a:bodyPr rtlCol="0" anchor="ctr"/>
+              <a:lstStyle/>
+              <a:p>
+                <a:pPr algn="ctr"/>
+                <a:endParaRPr lang="zh-CN" altLang="en-US" sz="1100" dirty="0">
+                  <a:latin typeface="Times New Roman" panose="02020603050405020304" pitchFamily="18" charset="0"/>
+                  <a:cs typeface="Times New Roman" panose="02020603050405020304" pitchFamily="18" charset="0"/>
+                </a:endParaRPr>
+              </a:p>
+            </p:txBody>
+          </p:sp>
+          <p:sp>
+            <p:nvSpPr>
+              <p:cNvPr id="144" name="矩形 143">
+                <a:extLst>
+                  <a:ext uri="{FF2B5EF4-FFF2-40B4-BE49-F238E27FC236}">
+                    <a16:creationId xmlns:a16="http://schemas.microsoft.com/office/drawing/2014/main" id="{DB800DC4-C72E-472D-9498-F0723DF79C0A}"/>
+                  </a:ext>
+                </a:extLst>
+              </p:cNvPr>
+              <p:cNvSpPr/>
+              <p:nvPr/>
+            </p:nvSpPr>
+            <p:spPr>
+              <a:xfrm>
+                <a:off x="1010982" y="3756375"/>
+                <a:ext cx="288000" cy="576000"/>
+              </a:xfrm>
+              <a:prstGeom prst="rect">
+                <a:avLst/>
+              </a:prstGeom>
+              <a:ln>
+                <a:noFill/>
+              </a:ln>
+            </p:spPr>
+            <p:style>
+              <a:lnRef idx="2">
+                <a:schemeClr val="accent6">
+                  <a:shade val="50000"/>
+                </a:schemeClr>
+              </a:lnRef>
+              <a:fillRef idx="1">
+                <a:schemeClr val="accent6"/>
+              </a:fillRef>
+              <a:effectRef idx="0">
+                <a:schemeClr val="accent6"/>
+              </a:effectRef>
+              <a:fontRef idx="minor">
+                <a:schemeClr val="lt1"/>
+              </a:fontRef>
+            </p:style>
+            <p:txBody>
+              <a:bodyPr rtlCol="0" anchor="ctr"/>
+              <a:lstStyle/>
+              <a:p>
+                <a:pPr algn="ctr"/>
+                <a:endParaRPr lang="zh-CN" altLang="en-US" sz="1100" dirty="0">
+                  <a:latin typeface="Times New Roman" panose="02020603050405020304" pitchFamily="18" charset="0"/>
+                  <a:cs typeface="Times New Roman" panose="02020603050405020304" pitchFamily="18" charset="0"/>
+                </a:endParaRPr>
+              </a:p>
+            </p:txBody>
+          </p:sp>
+        </p:grpSp>
+        <p:grpSp>
+          <p:nvGrpSpPr>
+            <p:cNvPr id="134" name="组合 133">
+              <a:extLst>
+                <a:ext uri="{FF2B5EF4-FFF2-40B4-BE49-F238E27FC236}">
+                  <a16:creationId xmlns:a16="http://schemas.microsoft.com/office/drawing/2014/main" id="{65480A35-3E95-4C34-AAB6-D04F65D99C8E}"/>
+                </a:ext>
+              </a:extLst>
+            </p:cNvPr>
+            <p:cNvGrpSpPr/>
+            <p:nvPr/>
+          </p:nvGrpSpPr>
+          <p:grpSpPr>
+            <a:xfrm>
+              <a:off x="9141619" y="1940232"/>
+              <a:ext cx="576000" cy="576000"/>
+              <a:chOff x="1587239" y="3756375"/>
+              <a:chExt cx="576000" cy="576000"/>
+            </a:xfrm>
+          </p:grpSpPr>
+          <p:sp>
+            <p:nvSpPr>
+              <p:cNvPr id="141" name="矩形 140">
+                <a:extLst>
+                  <a:ext uri="{FF2B5EF4-FFF2-40B4-BE49-F238E27FC236}">
+                    <a16:creationId xmlns:a16="http://schemas.microsoft.com/office/drawing/2014/main" id="{F0A86D75-897B-4F0F-8B2C-83282B17D15F}"/>
+                  </a:ext>
+                </a:extLst>
+              </p:cNvPr>
+              <p:cNvSpPr/>
+              <p:nvPr/>
+            </p:nvSpPr>
+            <p:spPr>
+              <a:xfrm>
+                <a:off x="1587239" y="3756375"/>
+                <a:ext cx="288000" cy="576000"/>
+              </a:xfrm>
+              <a:prstGeom prst="rect">
+                <a:avLst/>
+              </a:prstGeom>
+              <a:ln>
+                <a:noFill/>
+              </a:ln>
+            </p:spPr>
+            <p:style>
+              <a:lnRef idx="2">
+                <a:schemeClr val="accent6">
+                  <a:shade val="50000"/>
+                </a:schemeClr>
+              </a:lnRef>
+              <a:fillRef idx="1">
+                <a:schemeClr val="accent6"/>
+              </a:fillRef>
+              <a:effectRef idx="0">
+                <a:schemeClr val="accent6"/>
+              </a:effectRef>
+              <a:fontRef idx="minor">
+                <a:schemeClr val="lt1"/>
+              </a:fontRef>
+            </p:style>
+            <p:txBody>
+              <a:bodyPr rtlCol="0" anchor="ctr"/>
+              <a:lstStyle/>
+              <a:p>
+                <a:pPr algn="ctr"/>
+                <a:endParaRPr lang="zh-CN" altLang="en-US" sz="1100" dirty="0">
+                  <a:latin typeface="Times New Roman" panose="02020603050405020304" pitchFamily="18" charset="0"/>
+                  <a:cs typeface="Times New Roman" panose="02020603050405020304" pitchFamily="18" charset="0"/>
+                </a:endParaRPr>
+              </a:p>
+            </p:txBody>
+          </p:sp>
+          <p:sp>
+            <p:nvSpPr>
+              <p:cNvPr id="142" name="矩形 141">
+                <a:extLst>
+                  <a:ext uri="{FF2B5EF4-FFF2-40B4-BE49-F238E27FC236}">
+                    <a16:creationId xmlns:a16="http://schemas.microsoft.com/office/drawing/2014/main" id="{B9426E53-4B1D-430A-ADA3-F3F61177FFB5}"/>
+                  </a:ext>
+                </a:extLst>
+              </p:cNvPr>
+              <p:cNvSpPr/>
+              <p:nvPr/>
+            </p:nvSpPr>
+            <p:spPr>
+              <a:xfrm>
+                <a:off x="1875239" y="3756375"/>
+                <a:ext cx="288000" cy="576000"/>
+              </a:xfrm>
+              <a:prstGeom prst="rect">
+                <a:avLst/>
+              </a:prstGeom>
+              <a:solidFill>
+                <a:schemeClr val="accent4">
+                  <a:lumMod val="60000"/>
+                  <a:lumOff val="40000"/>
+                </a:schemeClr>
+              </a:solidFill>
+              <a:ln>
+                <a:noFill/>
+              </a:ln>
+            </p:spPr>
+            <p:style>
+              <a:lnRef idx="2">
+                <a:schemeClr val="accent1">
+                  <a:shade val="50000"/>
+                </a:schemeClr>
+              </a:lnRef>
+              <a:fillRef idx="1">
+                <a:schemeClr val="accent1"/>
+              </a:fillRef>
+              <a:effectRef idx="0">
+                <a:schemeClr val="accent1"/>
+              </a:effectRef>
+              <a:fontRef idx="minor">
+                <a:schemeClr val="lt1"/>
+              </a:fontRef>
+            </p:style>
+            <p:txBody>
+              <a:bodyPr rtlCol="0" anchor="ctr"/>
+              <a:lstStyle/>
+              <a:p>
+                <a:pPr algn="ctr"/>
+                <a:endParaRPr lang="zh-CN" altLang="en-US" dirty="0">
+                  <a:solidFill>
+                    <a:schemeClr val="tx1"/>
+                  </a:solidFill>
+                  <a:latin typeface="Times New Roman" panose="02020603050405020304" pitchFamily="18" charset="0"/>
+                  <a:cs typeface="Times New Roman" panose="02020603050405020304" pitchFamily="18" charset="0"/>
+                </a:endParaRPr>
+              </a:p>
+            </p:txBody>
+          </p:sp>
+        </p:grpSp>
+        <p:grpSp>
+          <p:nvGrpSpPr>
+            <p:cNvPr id="135" name="组合 134">
+              <a:extLst>
+                <a:ext uri="{FF2B5EF4-FFF2-40B4-BE49-F238E27FC236}">
+                  <a16:creationId xmlns:a16="http://schemas.microsoft.com/office/drawing/2014/main" id="{2B46EC24-4A8C-4388-A77F-A03B74F62F99}"/>
+                </a:ext>
+              </a:extLst>
+            </p:cNvPr>
+            <p:cNvGrpSpPr/>
+            <p:nvPr/>
+          </p:nvGrpSpPr>
+          <p:grpSpPr>
+            <a:xfrm>
+              <a:off x="9971679" y="1940232"/>
+              <a:ext cx="576001" cy="576000"/>
+              <a:chOff x="2381246" y="3756375"/>
+              <a:chExt cx="576001" cy="576000"/>
+            </a:xfrm>
+          </p:grpSpPr>
+          <p:sp>
+            <p:nvSpPr>
+              <p:cNvPr id="139" name="矩形 138">
+                <a:extLst>
+                  <a:ext uri="{FF2B5EF4-FFF2-40B4-BE49-F238E27FC236}">
+                    <a16:creationId xmlns:a16="http://schemas.microsoft.com/office/drawing/2014/main" id="{D3FB9E0C-3499-4F72-A2EB-C5CFF4A8C83F}"/>
+                  </a:ext>
+                </a:extLst>
+              </p:cNvPr>
+              <p:cNvSpPr/>
+              <p:nvPr/>
+            </p:nvSpPr>
+            <p:spPr>
+              <a:xfrm>
+                <a:off x="2381246" y="3756375"/>
+                <a:ext cx="288000" cy="576000"/>
+              </a:xfrm>
+              <a:prstGeom prst="rect">
+                <a:avLst/>
+              </a:prstGeom>
+              <a:solidFill>
+                <a:schemeClr val="accent4">
+                  <a:lumMod val="60000"/>
+                  <a:lumOff val="40000"/>
+                </a:schemeClr>
+              </a:solidFill>
+              <a:ln>
+                <a:noFill/>
+              </a:ln>
+            </p:spPr>
+            <p:style>
+              <a:lnRef idx="2">
+                <a:schemeClr val="accent1">
+                  <a:shade val="50000"/>
+                </a:schemeClr>
+              </a:lnRef>
+              <a:fillRef idx="1">
+                <a:schemeClr val="accent1"/>
+              </a:fillRef>
+              <a:effectRef idx="0">
+                <a:schemeClr val="accent1"/>
+              </a:effectRef>
+              <a:fontRef idx="minor">
+                <a:schemeClr val="lt1"/>
+              </a:fontRef>
+            </p:style>
+            <p:txBody>
+              <a:bodyPr rtlCol="0" anchor="ctr"/>
+              <a:lstStyle/>
+              <a:p>
+                <a:pPr algn="ctr"/>
+                <a:endParaRPr lang="zh-CN" altLang="en-US" dirty="0">
+                  <a:solidFill>
+                    <a:schemeClr val="tx1"/>
+                  </a:solidFill>
+                  <a:latin typeface="Times New Roman" panose="02020603050405020304" pitchFamily="18" charset="0"/>
+                  <a:cs typeface="Times New Roman" panose="02020603050405020304" pitchFamily="18" charset="0"/>
+                </a:endParaRPr>
+              </a:p>
+            </p:txBody>
+          </p:sp>
+          <p:sp>
+            <p:nvSpPr>
+              <p:cNvPr id="140" name="矩形 139">
+                <a:extLst>
+                  <a:ext uri="{FF2B5EF4-FFF2-40B4-BE49-F238E27FC236}">
+                    <a16:creationId xmlns:a16="http://schemas.microsoft.com/office/drawing/2014/main" id="{2B8BCA26-EA91-4F84-856F-99A534EAFB73}"/>
+                  </a:ext>
+                </a:extLst>
+              </p:cNvPr>
+              <p:cNvSpPr/>
+              <p:nvPr/>
+            </p:nvSpPr>
+            <p:spPr>
+              <a:xfrm>
+                <a:off x="2669247" y="3756375"/>
+                <a:ext cx="288000" cy="576000"/>
+              </a:xfrm>
+              <a:prstGeom prst="rect">
+                <a:avLst/>
+              </a:prstGeom>
+              <a:solidFill>
+                <a:schemeClr val="accent4">
+                  <a:lumMod val="60000"/>
+                  <a:lumOff val="40000"/>
+                </a:schemeClr>
+              </a:solidFill>
+              <a:ln>
+                <a:noFill/>
+              </a:ln>
+            </p:spPr>
+            <p:style>
+              <a:lnRef idx="2">
+                <a:schemeClr val="accent1">
+                  <a:shade val="50000"/>
+                </a:schemeClr>
+              </a:lnRef>
+              <a:fillRef idx="1">
+                <a:schemeClr val="accent1"/>
+              </a:fillRef>
+              <a:effectRef idx="0">
+                <a:schemeClr val="accent1"/>
+              </a:effectRef>
+              <a:fontRef idx="minor">
+                <a:schemeClr val="lt1"/>
+              </a:fontRef>
+            </p:style>
+            <p:txBody>
+              <a:bodyPr rtlCol="0" anchor="ctr"/>
+              <a:lstStyle/>
+              <a:p>
+                <a:pPr algn="ctr"/>
+                <a:endParaRPr lang="zh-CN" altLang="en-US" dirty="0">
+                  <a:solidFill>
+                    <a:schemeClr val="tx1"/>
+                  </a:solidFill>
+                  <a:latin typeface="Times New Roman" panose="02020603050405020304" pitchFamily="18" charset="0"/>
+                  <a:cs typeface="Times New Roman" panose="02020603050405020304" pitchFamily="18" charset="0"/>
+                </a:endParaRPr>
+              </a:p>
+            </p:txBody>
+          </p:sp>
+        </p:grpSp>
+        <p:cxnSp>
+          <p:nvCxnSpPr>
+            <p:cNvPr id="136" name="直接箭头连接符 135">
+              <a:extLst>
+                <a:ext uri="{FF2B5EF4-FFF2-40B4-BE49-F238E27FC236}">
+                  <a16:creationId xmlns:a16="http://schemas.microsoft.com/office/drawing/2014/main" id="{E7C69339-DDB7-45D5-9146-0AC2FF065E84}"/>
+                </a:ext>
+              </a:extLst>
+            </p:cNvPr>
+            <p:cNvCxnSpPr>
+              <a:cxnSpLocks/>
+              <a:stCxn id="142" idx="3"/>
+              <a:endCxn id="139" idx="1"/>
+            </p:cNvCxnSpPr>
+            <p:nvPr/>
+          </p:nvCxnSpPr>
+          <p:spPr>
+            <a:xfrm rot="16200000">
+              <a:off x="9844650" y="2101202"/>
+              <a:ext cx="0" cy="254060"/>
+            </a:xfrm>
+            <a:prstGeom prst="straightConnector1">
+              <a:avLst/>
+            </a:prstGeom>
+            <a:ln w="19050">
+              <a:tailEnd type="triangle"/>
+            </a:ln>
+          </p:spPr>
+          <p:style>
+            <a:lnRef idx="1">
+              <a:schemeClr val="accent6"/>
+            </a:lnRef>
+            <a:fillRef idx="0">
+              <a:schemeClr val="accent6"/>
+            </a:fillRef>
+            <a:effectRef idx="0">
+              <a:schemeClr val="accent6"/>
+            </a:effectRef>
+            <a:fontRef idx="minor">
+              <a:schemeClr val="tx1"/>
+            </a:fontRef>
+          </p:style>
+        </p:cxnSp>
+        <p:cxnSp>
+          <p:nvCxnSpPr>
+            <p:cNvPr id="137" name="直接箭头连接符 136">
+              <a:extLst>
+                <a:ext uri="{FF2B5EF4-FFF2-40B4-BE49-F238E27FC236}">
+                  <a16:creationId xmlns:a16="http://schemas.microsoft.com/office/drawing/2014/main" id="{99B782AD-3A2F-48EE-8FA6-C039448DA29C}"/>
+                </a:ext>
+              </a:extLst>
+            </p:cNvPr>
+            <p:cNvCxnSpPr>
+              <a:endCxn id="141" idx="1"/>
+            </p:cNvCxnSpPr>
+            <p:nvPr/>
+          </p:nvCxnSpPr>
+          <p:spPr>
+            <a:xfrm>
+              <a:off x="8576722" y="2228232"/>
+              <a:ext cx="564898" cy="0"/>
+            </a:xfrm>
+            <a:prstGeom prst="straightConnector1">
+              <a:avLst/>
+            </a:prstGeom>
+            <a:ln w="19050">
+              <a:tailEnd type="triangle"/>
+            </a:ln>
+          </p:spPr>
+          <p:style>
+            <a:lnRef idx="1">
+              <a:schemeClr val="accent6"/>
+            </a:lnRef>
+            <a:fillRef idx="0">
+              <a:schemeClr val="accent6"/>
+            </a:fillRef>
+            <a:effectRef idx="0">
+              <a:schemeClr val="accent6"/>
+            </a:effectRef>
+            <a:fontRef idx="minor">
+              <a:schemeClr val="tx1"/>
+            </a:fontRef>
+          </p:style>
+        </p:cxnSp>
+        <p:sp>
+          <p:nvSpPr>
+            <p:cNvPr id="138" name="文本框 137">
+              <a:extLst>
+                <a:ext uri="{FF2B5EF4-FFF2-40B4-BE49-F238E27FC236}">
+                  <a16:creationId xmlns:a16="http://schemas.microsoft.com/office/drawing/2014/main" id="{D1378B29-3567-439E-B347-9CAB2BAE9B9C}"/>
+                </a:ext>
+              </a:extLst>
+            </p:cNvPr>
+            <p:cNvSpPr txBox="1"/>
+            <p:nvPr/>
+          </p:nvSpPr>
+          <p:spPr>
+            <a:xfrm rot="16200000">
+              <a:off x="9948239" y="2033933"/>
+              <a:ext cx="1524485" cy="307777"/>
+            </a:xfrm>
+            <a:prstGeom prst="rect">
+              <a:avLst/>
+            </a:prstGeom>
+            <a:noFill/>
+          </p:spPr>
+          <p:txBody>
+            <a:bodyPr wrap="square" rtlCol="0">
+              <a:spAutoFit/>
+            </a:bodyPr>
+            <a:lstStyle/>
+            <a:p>
+              <a:pPr algn="ctr"/>
+              <a:r>
+                <a:rPr lang="en-US" altLang="zh-CN" sz="1400" dirty="0">
+                  <a:latin typeface="Times New Roman" panose="02020603050405020304" pitchFamily="18" charset="0"/>
+                  <a:cs typeface="Times New Roman" panose="02020603050405020304" pitchFamily="18" charset="0"/>
+                </a:rPr>
+                <a:t>Total latency: 5ms</a:t>
+              </a:r>
+              <a:endParaRPr lang="zh-CN" altLang="en-US" sz="1400" dirty="0">
+                <a:latin typeface="Times New Roman" panose="02020603050405020304" pitchFamily="18" charset="0"/>
+                <a:cs typeface="Times New Roman" panose="02020603050405020304" pitchFamily="18" charset="0"/>
+              </a:endParaRPr>
+            </a:p>
+          </p:txBody>
+        </p:sp>
+      </p:grpSp>
+      <p:cxnSp>
+        <p:nvCxnSpPr>
+          <p:cNvPr id="145" name="直接箭头连接符 144">
+            <a:extLst>
+              <a:ext uri="{FF2B5EF4-FFF2-40B4-BE49-F238E27FC236}">
+                <a16:creationId xmlns:a16="http://schemas.microsoft.com/office/drawing/2014/main" id="{83DFDBAF-2595-414B-A50A-EA75E928CB5D}"/>
+              </a:ext>
+            </a:extLst>
+          </p:cNvPr>
+          <p:cNvCxnSpPr>
+            <a:cxnSpLocks/>
+          </p:cNvCxnSpPr>
+          <p:nvPr/>
+        </p:nvCxnSpPr>
+        <p:spPr>
+          <a:xfrm flipH="1">
+            <a:off x="4288632" y="958975"/>
+            <a:ext cx="1530279" cy="783302"/>
+          </a:xfrm>
+          <a:prstGeom prst="straightConnector1">
+            <a:avLst/>
+          </a:prstGeom>
+          <a:ln w="15875">
+            <a:tailEnd type="arrow"/>
+          </a:ln>
+        </p:spPr>
+        <p:style>
+          <a:lnRef idx="1">
+            <a:schemeClr val="dk1"/>
+          </a:lnRef>
+          <a:fillRef idx="0">
+            <a:schemeClr val="dk1"/>
+          </a:fillRef>
+          <a:effectRef idx="0">
+            <a:schemeClr val="dk1"/>
+          </a:effectRef>
+          <a:fontRef idx="minor">
+            <a:schemeClr val="tx1"/>
+          </a:fontRef>
+        </p:style>
+      </p:cxnSp>
+      <p:cxnSp>
+        <p:nvCxnSpPr>
+          <p:cNvPr id="146" name="直接箭头连接符 145">
+            <a:extLst>
+              <a:ext uri="{FF2B5EF4-FFF2-40B4-BE49-F238E27FC236}">
+                <a16:creationId xmlns:a16="http://schemas.microsoft.com/office/drawing/2014/main" id="{D4CF9782-8DA0-49C9-8346-26149F1CE3C9}"/>
+              </a:ext>
+            </a:extLst>
+          </p:cNvPr>
+          <p:cNvCxnSpPr/>
+          <p:nvPr/>
+        </p:nvCxnSpPr>
+        <p:spPr>
+          <a:xfrm flipH="1">
+            <a:off x="5818909" y="958975"/>
+            <a:ext cx="1" cy="827599"/>
+          </a:xfrm>
+          <a:prstGeom prst="straightConnector1">
+            <a:avLst/>
+          </a:prstGeom>
+          <a:ln w="15875">
+            <a:tailEnd type="arrow"/>
+          </a:ln>
+        </p:spPr>
+        <p:style>
+          <a:lnRef idx="1">
+            <a:schemeClr val="dk1"/>
+          </a:lnRef>
+          <a:fillRef idx="0">
+            <a:schemeClr val="dk1"/>
+          </a:fillRef>
+          <a:effectRef idx="0">
+            <a:schemeClr val="dk1"/>
+          </a:effectRef>
+          <a:fontRef idx="minor">
+            <a:schemeClr val="tx1"/>
+          </a:fontRef>
+        </p:style>
+      </p:cxnSp>
+      <p:cxnSp>
+        <p:nvCxnSpPr>
+          <p:cNvPr id="147" name="直接箭头连接符 146">
+            <a:extLst>
+              <a:ext uri="{FF2B5EF4-FFF2-40B4-BE49-F238E27FC236}">
+                <a16:creationId xmlns:a16="http://schemas.microsoft.com/office/drawing/2014/main" id="{9652D810-52DA-45E6-91A6-6EF1ED83D680}"/>
+              </a:ext>
+            </a:extLst>
+          </p:cNvPr>
+          <p:cNvCxnSpPr>
+            <a:cxnSpLocks/>
+          </p:cNvCxnSpPr>
+          <p:nvPr/>
+        </p:nvCxnSpPr>
+        <p:spPr>
+          <a:xfrm>
+            <a:off x="5815861" y="958975"/>
+            <a:ext cx="1591639" cy="783302"/>
+          </a:xfrm>
+          <a:prstGeom prst="straightConnector1">
+            <a:avLst/>
+          </a:prstGeom>
+          <a:ln w="15875">
+            <a:tailEnd type="arrow"/>
+          </a:ln>
+        </p:spPr>
+        <p:style>
+          <a:lnRef idx="1">
+            <a:schemeClr val="dk1"/>
+          </a:lnRef>
+          <a:fillRef idx="0">
+            <a:schemeClr val="dk1"/>
+          </a:fillRef>
+          <a:effectRef idx="0">
+            <a:schemeClr val="dk1"/>
+          </a:effectRef>
+          <a:fontRef idx="minor">
+            <a:schemeClr val="tx1"/>
+          </a:fontRef>
+        </p:style>
+      </p:cxnSp>
+      <p:sp>
+        <p:nvSpPr>
+          <p:cNvPr id="148" name="文本框 147">
+            <a:extLst>
+              <a:ext uri="{FF2B5EF4-FFF2-40B4-BE49-F238E27FC236}">
+                <a16:creationId xmlns:a16="http://schemas.microsoft.com/office/drawing/2014/main" id="{540D97B7-BAC4-4F88-BFB5-22421A017CFC}"/>
+              </a:ext>
+            </a:extLst>
+          </p:cNvPr>
+          <p:cNvSpPr txBox="1"/>
+          <p:nvPr/>
+        </p:nvSpPr>
+        <p:spPr>
+          <a:xfrm>
+            <a:off x="4039330" y="1110497"/>
+            <a:ext cx="913205" cy="297967"/>
+          </a:xfrm>
+          <a:prstGeom prst="rect">
+            <a:avLst/>
+          </a:prstGeom>
+          <a:noFill/>
+        </p:spPr>
+        <p:txBody>
+          <a:bodyPr wrap="square" rtlCol="0">
+            <a:spAutoFit/>
+          </a:bodyPr>
+          <a:lstStyle/>
+          <a:p>
+            <a:pPr algn="ctr">
+              <a:lnSpc>
+                <a:spcPts val="1680"/>
+              </a:lnSpc>
+            </a:pPr>
+            <a:r>
+              <a:rPr lang="en-US" altLang="zh-CN" sz="1400" dirty="0">
+                <a:latin typeface="Times New Roman" panose="02020603050405020304" pitchFamily="18" charset="0"/>
+                <a:cs typeface="Times New Roman" panose="02020603050405020304" pitchFamily="18" charset="0"/>
+              </a:rPr>
+              <a:t>Strategy 1</a:t>
+            </a:r>
+            <a:endParaRPr lang="zh-CN" altLang="en-US" sz="1400" dirty="0">
+              <a:latin typeface="Times New Roman" panose="02020603050405020304" pitchFamily="18" charset="0"/>
+              <a:cs typeface="Times New Roman" panose="02020603050405020304" pitchFamily="18" charset="0"/>
+            </a:endParaRPr>
+          </a:p>
+        </p:txBody>
+      </p:sp>
+      <p:sp>
+        <p:nvSpPr>
+          <p:cNvPr id="150" name="文本框 149">
+            <a:extLst>
+              <a:ext uri="{FF2B5EF4-FFF2-40B4-BE49-F238E27FC236}">
+                <a16:creationId xmlns:a16="http://schemas.microsoft.com/office/drawing/2014/main" id="{B683FE1F-1585-4096-99F6-E6EA7EE4D0F4}"/>
+              </a:ext>
+            </a:extLst>
+          </p:cNvPr>
+          <p:cNvSpPr txBox="1"/>
+          <p:nvPr/>
+        </p:nvSpPr>
+        <p:spPr>
+          <a:xfrm>
+            <a:off x="6633729" y="1128235"/>
+            <a:ext cx="913205" cy="297967"/>
+          </a:xfrm>
+          <a:prstGeom prst="rect">
+            <a:avLst/>
+          </a:prstGeom>
+          <a:noFill/>
+        </p:spPr>
+        <p:txBody>
+          <a:bodyPr wrap="square" rtlCol="0">
+            <a:spAutoFit/>
+          </a:bodyPr>
+          <a:lstStyle/>
+          <a:p>
+            <a:pPr algn="ctr">
+              <a:lnSpc>
+                <a:spcPts val="1680"/>
+              </a:lnSpc>
+            </a:pPr>
+            <a:r>
+              <a:rPr lang="en-US" altLang="zh-CN" sz="1400" dirty="0">
+                <a:latin typeface="Times New Roman" panose="02020603050405020304" pitchFamily="18" charset="0"/>
+                <a:cs typeface="Times New Roman" panose="02020603050405020304" pitchFamily="18" charset="0"/>
+              </a:rPr>
+              <a:t>Strategy 3</a:t>
+            </a:r>
+            <a:endParaRPr lang="zh-CN" altLang="en-US" sz="1400" dirty="0">
+              <a:latin typeface="Times New Roman" panose="02020603050405020304" pitchFamily="18" charset="0"/>
+              <a:cs typeface="Times New Roman" panose="02020603050405020304" pitchFamily="18" charset="0"/>
+            </a:endParaRPr>
+          </a:p>
+        </p:txBody>
+      </p:sp>
+      <p:grpSp>
+        <p:nvGrpSpPr>
+          <p:cNvPr id="151" name="组合 150">
+            <a:extLst>
+              <a:ext uri="{FF2B5EF4-FFF2-40B4-BE49-F238E27FC236}">
+                <a16:creationId xmlns:a16="http://schemas.microsoft.com/office/drawing/2014/main" id="{B1055108-388B-4C99-B0CB-1920D8E90BBF}"/>
+              </a:ext>
+            </a:extLst>
+          </p:cNvPr>
+          <p:cNvGrpSpPr/>
+          <p:nvPr/>
+        </p:nvGrpSpPr>
+        <p:grpSpPr>
+          <a:xfrm>
+            <a:off x="4664535" y="4834312"/>
+            <a:ext cx="1810146" cy="1939531"/>
+            <a:chOff x="663246" y="845499"/>
+            <a:chExt cx="1810146" cy="1939531"/>
+          </a:xfrm>
+        </p:grpSpPr>
+        <p:sp>
+          <p:nvSpPr>
+            <p:cNvPr id="152" name="矩形 151">
+              <a:extLst>
+                <a:ext uri="{FF2B5EF4-FFF2-40B4-BE49-F238E27FC236}">
+                  <a16:creationId xmlns:a16="http://schemas.microsoft.com/office/drawing/2014/main" id="{3B0FF78C-A244-4428-BB8D-537EA98C5A57}"/>
+                </a:ext>
+              </a:extLst>
+            </p:cNvPr>
+            <p:cNvSpPr/>
+            <p:nvPr/>
+          </p:nvSpPr>
+          <p:spPr>
+            <a:xfrm>
+              <a:off x="663246" y="867080"/>
+              <a:ext cx="1002735" cy="1917950"/>
+            </a:xfrm>
+            <a:prstGeom prst="rect">
+              <a:avLst/>
+            </a:prstGeom>
+            <a:noFill/>
+            <a:ln w="19050">
+              <a:solidFill>
+                <a:schemeClr val="tx1"/>
+              </a:solidFill>
+              <a:prstDash val="sysDash"/>
+            </a:ln>
+          </p:spPr>
+          <p:style>
+            <a:lnRef idx="2">
+              <a:schemeClr val="accent3">
+                <a:shade val="50000"/>
+              </a:schemeClr>
+            </a:lnRef>
+            <a:fillRef idx="1">
+              <a:schemeClr val="accent3"/>
+            </a:fillRef>
+            <a:effectRef idx="0">
+              <a:schemeClr val="accent3"/>
+            </a:effectRef>
+            <a:fontRef idx="minor">
+              <a:schemeClr val="lt1"/>
+            </a:fontRef>
+          </p:style>
+          <p:txBody>
+            <a:bodyPr rtlCol="0" anchor="ctr"/>
+            <a:lstStyle/>
+            <a:p>
+              <a:pPr algn="ctr"/>
+              <a:endParaRPr lang="zh-CN" altLang="en-US"/>
+            </a:p>
+          </p:txBody>
+        </p:sp>
+        <p:grpSp>
+          <p:nvGrpSpPr>
+            <p:cNvPr id="153" name="组合 152">
+              <a:extLst>
+                <a:ext uri="{FF2B5EF4-FFF2-40B4-BE49-F238E27FC236}">
+                  <a16:creationId xmlns:a16="http://schemas.microsoft.com/office/drawing/2014/main" id="{47251862-7485-4DD4-B624-A73249847DC5}"/>
+                </a:ext>
+              </a:extLst>
+            </p:cNvPr>
+            <p:cNvGrpSpPr/>
+            <p:nvPr/>
+          </p:nvGrpSpPr>
+          <p:grpSpPr>
+            <a:xfrm>
+              <a:off x="895832" y="1460986"/>
+              <a:ext cx="576000" cy="576000"/>
+              <a:chOff x="722982" y="4255306"/>
+              <a:chExt cx="576000" cy="576000"/>
+            </a:xfrm>
+          </p:grpSpPr>
+          <p:sp>
+            <p:nvSpPr>
+              <p:cNvPr id="163" name="矩形 162">
+                <a:extLst>
+                  <a:ext uri="{FF2B5EF4-FFF2-40B4-BE49-F238E27FC236}">
+                    <a16:creationId xmlns:a16="http://schemas.microsoft.com/office/drawing/2014/main" id="{89C116CD-BF8B-44F9-AE27-F59A11993F71}"/>
+                  </a:ext>
+                </a:extLst>
+              </p:cNvPr>
+              <p:cNvSpPr/>
+              <p:nvPr/>
+            </p:nvSpPr>
+            <p:spPr>
+              <a:xfrm>
+                <a:off x="722982" y="4255306"/>
+                <a:ext cx="288000" cy="576000"/>
+              </a:xfrm>
+              <a:prstGeom prst="rect">
+                <a:avLst/>
+              </a:prstGeom>
+              <a:ln>
+                <a:noFill/>
+              </a:ln>
+            </p:spPr>
+            <p:style>
+              <a:lnRef idx="2">
+                <a:schemeClr val="accent6">
+                  <a:shade val="50000"/>
+                </a:schemeClr>
+              </a:lnRef>
+              <a:fillRef idx="1">
+                <a:schemeClr val="accent6"/>
+              </a:fillRef>
+              <a:effectRef idx="0">
+                <a:schemeClr val="accent6"/>
+              </a:effectRef>
+              <a:fontRef idx="minor">
+                <a:schemeClr val="lt1"/>
+              </a:fontRef>
+            </p:style>
+            <p:txBody>
+              <a:bodyPr rtlCol="0" anchor="ctr"/>
+              <a:lstStyle/>
+              <a:p>
+                <a:pPr algn="ctr"/>
+                <a:endParaRPr lang="zh-CN" altLang="en-US" sz="1100" dirty="0">
+                  <a:latin typeface="Times New Roman" panose="02020603050405020304" pitchFamily="18" charset="0"/>
+                  <a:cs typeface="Times New Roman" panose="02020603050405020304" pitchFamily="18" charset="0"/>
+                </a:endParaRPr>
+              </a:p>
+            </p:txBody>
+          </p:sp>
+          <p:sp>
+            <p:nvSpPr>
+              <p:cNvPr id="164" name="矩形 163">
+                <a:extLst>
+                  <a:ext uri="{FF2B5EF4-FFF2-40B4-BE49-F238E27FC236}">
+                    <a16:creationId xmlns:a16="http://schemas.microsoft.com/office/drawing/2014/main" id="{553A596F-EC8E-4833-AA2E-38CD91D22B61}"/>
+                  </a:ext>
+                </a:extLst>
+              </p:cNvPr>
+              <p:cNvSpPr/>
+              <p:nvPr/>
+            </p:nvSpPr>
+            <p:spPr>
+              <a:xfrm>
+                <a:off x="1010982" y="4255306"/>
+                <a:ext cx="288000" cy="576000"/>
+              </a:xfrm>
+              <a:prstGeom prst="rect">
+                <a:avLst/>
+              </a:prstGeom>
+              <a:ln>
+                <a:noFill/>
+              </a:ln>
+            </p:spPr>
+            <p:style>
+              <a:lnRef idx="2">
+                <a:schemeClr val="accent6">
+                  <a:shade val="50000"/>
+                </a:schemeClr>
+              </a:lnRef>
+              <a:fillRef idx="1">
+                <a:schemeClr val="accent6"/>
+              </a:fillRef>
+              <a:effectRef idx="0">
+                <a:schemeClr val="accent6"/>
+              </a:effectRef>
+              <a:fontRef idx="minor">
+                <a:schemeClr val="lt1"/>
+              </a:fontRef>
+            </p:style>
+            <p:txBody>
+              <a:bodyPr rtlCol="0" anchor="ctr"/>
+              <a:lstStyle/>
+              <a:p>
+                <a:pPr algn="ctr"/>
+                <a:endParaRPr lang="zh-CN" altLang="en-US" sz="1100" dirty="0">
+                  <a:latin typeface="Times New Roman" panose="02020603050405020304" pitchFamily="18" charset="0"/>
+                  <a:cs typeface="Times New Roman" panose="02020603050405020304" pitchFamily="18" charset="0"/>
+                </a:endParaRPr>
+              </a:p>
+            </p:txBody>
+          </p:sp>
+        </p:grpSp>
+        <p:grpSp>
+          <p:nvGrpSpPr>
+            <p:cNvPr id="154" name="组合 153">
+              <a:extLst>
+                <a:ext uri="{FF2B5EF4-FFF2-40B4-BE49-F238E27FC236}">
+                  <a16:creationId xmlns:a16="http://schemas.microsoft.com/office/drawing/2014/main" id="{C45203B1-2CEB-48D0-B139-58BB240D2E58}"/>
+                </a:ext>
+              </a:extLst>
+            </p:cNvPr>
+            <p:cNvGrpSpPr/>
+            <p:nvPr/>
+          </p:nvGrpSpPr>
+          <p:grpSpPr>
+            <a:xfrm>
+              <a:off x="895832" y="2114055"/>
+              <a:ext cx="576000" cy="576000"/>
+              <a:chOff x="1899933" y="3756375"/>
+              <a:chExt cx="576000" cy="576000"/>
+            </a:xfrm>
+          </p:grpSpPr>
+          <p:sp>
+            <p:nvSpPr>
+              <p:cNvPr id="161" name="矩形 160">
+                <a:extLst>
+                  <a:ext uri="{FF2B5EF4-FFF2-40B4-BE49-F238E27FC236}">
+                    <a16:creationId xmlns:a16="http://schemas.microsoft.com/office/drawing/2014/main" id="{5E0C1E87-2F06-4E34-B33B-9A92CA54CDFD}"/>
+                  </a:ext>
+                </a:extLst>
+              </p:cNvPr>
+              <p:cNvSpPr/>
+              <p:nvPr/>
+            </p:nvSpPr>
+            <p:spPr>
+              <a:xfrm>
+                <a:off x="1899933" y="3756375"/>
+                <a:ext cx="288000" cy="576000"/>
+              </a:xfrm>
+              <a:prstGeom prst="rect">
+                <a:avLst/>
+              </a:prstGeom>
+              <a:ln>
+                <a:noFill/>
+              </a:ln>
+            </p:spPr>
+            <p:style>
+              <a:lnRef idx="2">
+                <a:schemeClr val="accent6">
+                  <a:shade val="50000"/>
+                </a:schemeClr>
+              </a:lnRef>
+              <a:fillRef idx="1">
+                <a:schemeClr val="accent6"/>
+              </a:fillRef>
+              <a:effectRef idx="0">
+                <a:schemeClr val="accent6"/>
+              </a:effectRef>
+              <a:fontRef idx="minor">
+                <a:schemeClr val="lt1"/>
+              </a:fontRef>
+            </p:style>
+            <p:txBody>
+              <a:bodyPr rtlCol="0" anchor="ctr"/>
+              <a:lstStyle/>
+              <a:p>
+                <a:pPr algn="ctr"/>
+                <a:endParaRPr lang="zh-CN" altLang="en-US" sz="1100" dirty="0">
+                  <a:latin typeface="Times New Roman" panose="02020603050405020304" pitchFamily="18" charset="0"/>
+                  <a:cs typeface="Times New Roman" panose="02020603050405020304" pitchFamily="18" charset="0"/>
+                </a:endParaRPr>
+              </a:p>
+            </p:txBody>
+          </p:sp>
+          <p:sp>
+            <p:nvSpPr>
+              <p:cNvPr id="162" name="矩形 161">
+                <a:extLst>
+                  <a:ext uri="{FF2B5EF4-FFF2-40B4-BE49-F238E27FC236}">
+                    <a16:creationId xmlns:a16="http://schemas.microsoft.com/office/drawing/2014/main" id="{447B41CC-BC1E-465D-9CA5-3FD560CDEF7B}"/>
+                  </a:ext>
+                </a:extLst>
+              </p:cNvPr>
+              <p:cNvSpPr/>
+              <p:nvPr/>
+            </p:nvSpPr>
+            <p:spPr>
+              <a:xfrm>
+                <a:off x="2187933" y="3756375"/>
+                <a:ext cx="288000" cy="576000"/>
+              </a:xfrm>
+              <a:prstGeom prst="rect">
+                <a:avLst/>
+              </a:prstGeom>
+              <a:solidFill>
+                <a:schemeClr val="accent4">
+                  <a:lumMod val="60000"/>
+                  <a:lumOff val="40000"/>
+                </a:schemeClr>
+              </a:solidFill>
+              <a:ln>
+                <a:noFill/>
+              </a:ln>
+            </p:spPr>
+            <p:style>
+              <a:lnRef idx="2">
+                <a:schemeClr val="accent1">
+                  <a:shade val="50000"/>
+                </a:schemeClr>
+              </a:lnRef>
+              <a:fillRef idx="1">
+                <a:schemeClr val="accent1"/>
+              </a:fillRef>
+              <a:effectRef idx="0">
+                <a:schemeClr val="accent1"/>
+              </a:effectRef>
+              <a:fontRef idx="minor">
+                <a:schemeClr val="lt1"/>
+              </a:fontRef>
+            </p:style>
+            <p:txBody>
+              <a:bodyPr rtlCol="0" anchor="ctr"/>
+              <a:lstStyle/>
+              <a:p>
+                <a:pPr algn="ctr"/>
+                <a:endParaRPr lang="zh-CN" altLang="en-US" dirty="0">
+                  <a:solidFill>
+                    <a:schemeClr val="tx1"/>
+                  </a:solidFill>
+                  <a:latin typeface="Times New Roman" panose="02020603050405020304" pitchFamily="18" charset="0"/>
+                  <a:cs typeface="Times New Roman" panose="02020603050405020304" pitchFamily="18" charset="0"/>
+                </a:endParaRPr>
+              </a:p>
+            </p:txBody>
+          </p:sp>
+        </p:grpSp>
+        <p:grpSp>
+          <p:nvGrpSpPr>
+            <p:cNvPr id="155" name="组合 154">
+              <a:extLst>
+                <a:ext uri="{FF2B5EF4-FFF2-40B4-BE49-F238E27FC236}">
+                  <a16:creationId xmlns:a16="http://schemas.microsoft.com/office/drawing/2014/main" id="{05BD908F-F761-469F-82FC-C0F045188917}"/>
+                </a:ext>
+              </a:extLst>
+            </p:cNvPr>
+            <p:cNvGrpSpPr/>
+            <p:nvPr/>
+          </p:nvGrpSpPr>
+          <p:grpSpPr>
+            <a:xfrm>
+              <a:off x="1897392" y="1753152"/>
+              <a:ext cx="576000" cy="576000"/>
+              <a:chOff x="2829065" y="3971472"/>
+              <a:chExt cx="576000" cy="576000"/>
+            </a:xfrm>
+          </p:grpSpPr>
+          <p:sp>
+            <p:nvSpPr>
+              <p:cNvPr id="159" name="矩形 158">
+                <a:extLst>
+                  <a:ext uri="{FF2B5EF4-FFF2-40B4-BE49-F238E27FC236}">
+                    <a16:creationId xmlns:a16="http://schemas.microsoft.com/office/drawing/2014/main" id="{1A163FCD-23C3-4626-8641-19DCEC8C68EF}"/>
+                  </a:ext>
+                </a:extLst>
+              </p:cNvPr>
+              <p:cNvSpPr/>
+              <p:nvPr/>
+            </p:nvSpPr>
+            <p:spPr>
+              <a:xfrm>
+                <a:off x="2829065" y="3971472"/>
+                <a:ext cx="288000" cy="576000"/>
+              </a:xfrm>
+              <a:prstGeom prst="rect">
+                <a:avLst/>
+              </a:prstGeom>
+              <a:solidFill>
+                <a:schemeClr val="accent4">
+                  <a:lumMod val="60000"/>
+                  <a:lumOff val="40000"/>
+                </a:schemeClr>
+              </a:solidFill>
+              <a:ln>
+                <a:noFill/>
+              </a:ln>
+            </p:spPr>
+            <p:style>
+              <a:lnRef idx="2">
+                <a:schemeClr val="accent1">
+                  <a:shade val="50000"/>
+                </a:schemeClr>
+              </a:lnRef>
+              <a:fillRef idx="1">
+                <a:schemeClr val="accent1"/>
+              </a:fillRef>
+              <a:effectRef idx="0">
+                <a:schemeClr val="accent1"/>
+              </a:effectRef>
+              <a:fontRef idx="minor">
+                <a:schemeClr val="lt1"/>
+              </a:fontRef>
+            </p:style>
+            <p:txBody>
+              <a:bodyPr rtlCol="0" anchor="ctr"/>
+              <a:lstStyle/>
+              <a:p>
+                <a:pPr algn="ctr"/>
+                <a:endParaRPr lang="zh-CN" altLang="en-US" dirty="0">
+                  <a:solidFill>
+                    <a:schemeClr val="tx1"/>
+                  </a:solidFill>
+                  <a:latin typeface="Times New Roman" panose="02020603050405020304" pitchFamily="18" charset="0"/>
+                  <a:cs typeface="Times New Roman" panose="02020603050405020304" pitchFamily="18" charset="0"/>
+                </a:endParaRPr>
+              </a:p>
+            </p:txBody>
+          </p:sp>
+          <p:sp>
+            <p:nvSpPr>
+              <p:cNvPr id="160" name="矩形 159">
+                <a:extLst>
+                  <a:ext uri="{FF2B5EF4-FFF2-40B4-BE49-F238E27FC236}">
+                    <a16:creationId xmlns:a16="http://schemas.microsoft.com/office/drawing/2014/main" id="{B14BFD6B-8AFD-4BC1-ABC0-9CCF89AF08C6}"/>
+                  </a:ext>
+                </a:extLst>
+              </p:cNvPr>
+              <p:cNvSpPr/>
+              <p:nvPr/>
+            </p:nvSpPr>
+            <p:spPr>
+              <a:xfrm>
+                <a:off x="3117065" y="3971472"/>
+                <a:ext cx="288000" cy="576000"/>
+              </a:xfrm>
+              <a:prstGeom prst="rect">
+                <a:avLst/>
+              </a:prstGeom>
+              <a:solidFill>
+                <a:schemeClr val="accent4">
+                  <a:lumMod val="60000"/>
+                  <a:lumOff val="40000"/>
+                </a:schemeClr>
+              </a:solidFill>
+              <a:ln>
+                <a:noFill/>
+              </a:ln>
+            </p:spPr>
+            <p:style>
+              <a:lnRef idx="2">
+                <a:schemeClr val="accent1">
+                  <a:shade val="50000"/>
+                </a:schemeClr>
+              </a:lnRef>
+              <a:fillRef idx="1">
+                <a:schemeClr val="accent1"/>
+              </a:fillRef>
+              <a:effectRef idx="0">
+                <a:schemeClr val="accent1"/>
+              </a:effectRef>
+              <a:fontRef idx="minor">
+                <a:schemeClr val="lt1"/>
+              </a:fontRef>
+            </p:style>
+            <p:txBody>
+              <a:bodyPr rtlCol="0" anchor="ctr"/>
+              <a:lstStyle/>
+              <a:p>
+                <a:pPr algn="ctr"/>
+                <a:endParaRPr lang="zh-CN" altLang="en-US" dirty="0">
+                  <a:solidFill>
+                    <a:schemeClr val="tx1"/>
+                  </a:solidFill>
+                  <a:latin typeface="Times New Roman" panose="02020603050405020304" pitchFamily="18" charset="0"/>
+                  <a:cs typeface="Times New Roman" panose="02020603050405020304" pitchFamily="18" charset="0"/>
+                </a:endParaRPr>
+              </a:p>
+            </p:txBody>
+          </p:sp>
+        </p:grpSp>
+        <p:sp>
+          <p:nvSpPr>
+            <p:cNvPr id="156" name="文本框 155">
+              <a:extLst>
+                <a:ext uri="{FF2B5EF4-FFF2-40B4-BE49-F238E27FC236}">
+                  <a16:creationId xmlns:a16="http://schemas.microsoft.com/office/drawing/2014/main" id="{EAF17B37-1419-4AC5-BE2C-16432955AB06}"/>
+                </a:ext>
+              </a:extLst>
+            </p:cNvPr>
+            <p:cNvSpPr txBox="1"/>
+            <p:nvPr/>
+          </p:nvSpPr>
+          <p:spPr>
+            <a:xfrm>
+              <a:off x="698078" y="845499"/>
+              <a:ext cx="929377" cy="523220"/>
+            </a:xfrm>
+            <a:prstGeom prst="rect">
+              <a:avLst/>
+            </a:prstGeom>
+            <a:noFill/>
+          </p:spPr>
+          <p:txBody>
+            <a:bodyPr wrap="square" rtlCol="0">
+              <a:spAutoFit/>
+            </a:bodyPr>
+            <a:lstStyle/>
+            <a:p>
+              <a:pPr algn="ctr"/>
+              <a:r>
+                <a:rPr lang="en-US" altLang="zh-CN" sz="1400" dirty="0">
+                  <a:latin typeface="Times New Roman" panose="02020603050405020304" pitchFamily="18" charset="0"/>
+                  <a:cs typeface="Times New Roman" panose="02020603050405020304" pitchFamily="18" charset="0"/>
+                </a:rPr>
+                <a:t>Running in parallel</a:t>
+              </a:r>
+              <a:endParaRPr lang="zh-CN" altLang="en-US" sz="1400" dirty="0">
+                <a:latin typeface="Times New Roman" panose="02020603050405020304" pitchFamily="18" charset="0"/>
+                <a:cs typeface="Times New Roman" panose="02020603050405020304" pitchFamily="18" charset="0"/>
+              </a:endParaRPr>
+            </a:p>
+          </p:txBody>
+        </p:sp>
+        <p:cxnSp>
+          <p:nvCxnSpPr>
+            <p:cNvPr id="157" name="直接箭头连接符 156">
+              <a:extLst>
+                <a:ext uri="{FF2B5EF4-FFF2-40B4-BE49-F238E27FC236}">
+                  <a16:creationId xmlns:a16="http://schemas.microsoft.com/office/drawing/2014/main" id="{C18220E1-8111-4D9C-B3EE-A517C311200E}"/>
+                </a:ext>
+              </a:extLst>
+            </p:cNvPr>
+            <p:cNvCxnSpPr>
+              <a:stCxn id="164" idx="3"/>
+              <a:endCxn id="159" idx="1"/>
+            </p:cNvCxnSpPr>
+            <p:nvPr/>
+          </p:nvCxnSpPr>
+          <p:spPr>
+            <a:xfrm>
+              <a:off x="1471832" y="1748986"/>
+              <a:ext cx="425560" cy="292166"/>
+            </a:xfrm>
+            <a:prstGeom prst="straightConnector1">
+              <a:avLst/>
+            </a:prstGeom>
+            <a:ln w="19050">
+              <a:tailEnd type="triangle"/>
+            </a:ln>
+          </p:spPr>
+          <p:style>
+            <a:lnRef idx="1">
+              <a:schemeClr val="accent6"/>
+            </a:lnRef>
+            <a:fillRef idx="0">
+              <a:schemeClr val="accent6"/>
+            </a:fillRef>
+            <a:effectRef idx="0">
+              <a:schemeClr val="accent6"/>
+            </a:effectRef>
+            <a:fontRef idx="minor">
+              <a:schemeClr val="tx1"/>
+            </a:fontRef>
+          </p:style>
+        </p:cxnSp>
+        <p:cxnSp>
+          <p:nvCxnSpPr>
+            <p:cNvPr id="158" name="直接箭头连接符 157">
+              <a:extLst>
+                <a:ext uri="{FF2B5EF4-FFF2-40B4-BE49-F238E27FC236}">
+                  <a16:creationId xmlns:a16="http://schemas.microsoft.com/office/drawing/2014/main" id="{97BAC545-1195-4CB8-A031-C6EF4A8295E9}"/>
+                </a:ext>
+              </a:extLst>
+            </p:cNvPr>
+            <p:cNvCxnSpPr>
+              <a:stCxn id="162" idx="3"/>
+              <a:endCxn id="159" idx="1"/>
+            </p:cNvCxnSpPr>
+            <p:nvPr/>
+          </p:nvCxnSpPr>
+          <p:spPr>
+            <a:xfrm flipV="1">
+              <a:off x="1471832" y="2041152"/>
+              <a:ext cx="425560" cy="360903"/>
+            </a:xfrm>
+            <a:prstGeom prst="straightConnector1">
+              <a:avLst/>
+            </a:prstGeom>
+            <a:ln w="19050">
+              <a:tailEnd type="triangle"/>
+            </a:ln>
+          </p:spPr>
+          <p:style>
+            <a:lnRef idx="1">
+              <a:schemeClr val="accent6"/>
+            </a:lnRef>
+            <a:fillRef idx="0">
+              <a:schemeClr val="accent6"/>
+            </a:fillRef>
+            <a:effectRef idx="0">
+              <a:schemeClr val="accent6"/>
+            </a:effectRef>
+            <a:fontRef idx="minor">
+              <a:schemeClr val="tx1"/>
+            </a:fontRef>
+          </p:style>
+        </p:cxnSp>
+      </p:grpSp>
+      <p:cxnSp>
+        <p:nvCxnSpPr>
+          <p:cNvPr id="165" name="直接箭头连接符 164">
+            <a:extLst>
+              <a:ext uri="{FF2B5EF4-FFF2-40B4-BE49-F238E27FC236}">
+                <a16:creationId xmlns:a16="http://schemas.microsoft.com/office/drawing/2014/main" id="{80D21A48-0B88-4CD7-8173-A7EA4EDE96D5}"/>
+              </a:ext>
+            </a:extLst>
+          </p:cNvPr>
+          <p:cNvCxnSpPr>
+            <a:cxnSpLocks/>
+          </p:cNvCxnSpPr>
+          <p:nvPr/>
+        </p:nvCxnSpPr>
+        <p:spPr>
+          <a:xfrm flipH="1">
+            <a:off x="5956795" y="4185093"/>
+            <a:ext cx="7179" cy="863414"/>
+          </a:xfrm>
+          <a:prstGeom prst="straightConnector1">
+            <a:avLst/>
+          </a:prstGeom>
+          <a:ln w="15875">
+            <a:tailEnd type="arrow"/>
+          </a:ln>
+        </p:spPr>
+        <p:style>
+          <a:lnRef idx="1">
+            <a:schemeClr val="dk1"/>
+          </a:lnRef>
+          <a:fillRef idx="0">
+            <a:schemeClr val="dk1"/>
+          </a:fillRef>
+          <a:effectRef idx="0">
+            <a:schemeClr val="dk1"/>
+          </a:effectRef>
+          <a:fontRef idx="minor">
+            <a:schemeClr val="tx1"/>
+          </a:fontRef>
+        </p:style>
+      </p:cxnSp>
+      <p:sp>
+        <p:nvSpPr>
+          <p:cNvPr id="85" name="文本框 84">
+            <a:extLst>
+              <a:ext uri="{FF2B5EF4-FFF2-40B4-BE49-F238E27FC236}">
+                <a16:creationId xmlns:a16="http://schemas.microsoft.com/office/drawing/2014/main" id="{01BFE5EE-1EBC-4ACA-8924-EEAE4DC5C6A9}"/>
+              </a:ext>
+            </a:extLst>
+          </p:cNvPr>
+          <p:cNvSpPr txBox="1"/>
+          <p:nvPr/>
+        </p:nvSpPr>
+        <p:spPr>
+          <a:xfrm>
+            <a:off x="4547712" y="4256915"/>
+            <a:ext cx="2468148" cy="584775"/>
+          </a:xfrm>
+          <a:prstGeom prst="rect">
+            <a:avLst/>
+          </a:prstGeom>
+          <a:solidFill>
+            <a:schemeClr val="bg1"/>
+          </a:solidFill>
+        </p:spPr>
+        <p:txBody>
+          <a:bodyPr wrap="square" rtlCol="0">
+            <a:spAutoFit/>
+          </a:bodyPr>
+          <a:lstStyle/>
+          <a:p>
+            <a:pPr algn="ctr"/>
+            <a:r>
+              <a:rPr lang="en-US" altLang="zh-CN" sz="1600" dirty="0">
+                <a:latin typeface="Times New Roman" panose="02020603050405020304" pitchFamily="18" charset="0"/>
+                <a:cs typeface="Times New Roman" panose="02020603050405020304" pitchFamily="18" charset="0"/>
+              </a:rPr>
+              <a:t>Obtain optimal solution </a:t>
+            </a:r>
+          </a:p>
+          <a:p>
+            <a:pPr algn="ctr"/>
+            <a:r>
+              <a:rPr lang="en-US" altLang="zh-CN" sz="1600" dirty="0">
+                <a:latin typeface="Times New Roman" panose="02020603050405020304" pitchFamily="18" charset="0"/>
+                <a:cs typeface="Times New Roman" panose="02020603050405020304" pitchFamily="18" charset="0"/>
+              </a:rPr>
+              <a:t>by traversing</a:t>
+            </a:r>
+            <a:endParaRPr lang="zh-CN" altLang="en-US" sz="1600" dirty="0">
+              <a:latin typeface="Times New Roman" panose="02020603050405020304" pitchFamily="18" charset="0"/>
+              <a:cs typeface="Times New Roman" panose="02020603050405020304" pitchFamily="18" charset="0"/>
+            </a:endParaRPr>
+          </a:p>
+        </p:txBody>
+      </p:sp>
+      <p:sp>
+        <p:nvSpPr>
+          <p:cNvPr id="149" name="文本框 148">
+            <a:extLst>
+              <a:ext uri="{FF2B5EF4-FFF2-40B4-BE49-F238E27FC236}">
+                <a16:creationId xmlns:a16="http://schemas.microsoft.com/office/drawing/2014/main" id="{BA7E3C4B-0545-4EB1-B8AA-936AE8815D0C}"/>
+              </a:ext>
+            </a:extLst>
+          </p:cNvPr>
+          <p:cNvSpPr txBox="1"/>
+          <p:nvPr/>
+        </p:nvSpPr>
+        <p:spPr>
+          <a:xfrm>
+            <a:off x="5365416" y="1219502"/>
+            <a:ext cx="913205" cy="297967"/>
+          </a:xfrm>
+          <a:prstGeom prst="rect">
+            <a:avLst/>
+          </a:prstGeom>
+          <a:solidFill>
+            <a:schemeClr val="bg1"/>
+          </a:solidFill>
+        </p:spPr>
+        <p:txBody>
+          <a:bodyPr wrap="square" rtlCol="0">
+            <a:spAutoFit/>
+          </a:bodyPr>
+          <a:lstStyle/>
+          <a:p>
+            <a:pPr algn="ctr">
+              <a:lnSpc>
+                <a:spcPts val="1680"/>
+              </a:lnSpc>
+            </a:pPr>
+            <a:r>
+              <a:rPr lang="en-US" altLang="zh-CN" sz="1400" dirty="0">
+                <a:latin typeface="Times New Roman" panose="02020603050405020304" pitchFamily="18" charset="0"/>
+                <a:cs typeface="Times New Roman" panose="02020603050405020304" pitchFamily="18" charset="0"/>
+              </a:rPr>
+              <a:t>Strategy 2</a:t>
+            </a:r>
+            <a:endParaRPr lang="zh-CN" altLang="en-US" sz="1400" dirty="0">
+              <a:latin typeface="Times New Roman" panose="02020603050405020304" pitchFamily="18" charset="0"/>
+              <a:cs typeface="Times New Roman" panose="02020603050405020304" pitchFamily="18" charset="0"/>
+            </a:endParaRPr>
+          </a:p>
+        </p:txBody>
+      </p:sp>
+    </p:spTree>
+    <p:extLst>
+      <p:ext uri="{BB962C8B-B14F-4D97-AF65-F5344CB8AC3E}">
+        <p14:creationId xmlns:p14="http://schemas.microsoft.com/office/powerpoint/2010/main" val="2797154610"/>
+      </p:ext>
+    </p:extLst>
+  </p:cSld>
+  <p:clrMapOvr>
+    <a:masterClrMapping/>
+  </p:clrMapOvr>
+</p:sld>
+</file>
+
+<file path=ppt/slides/slide2.xml><?xml version="1.0" encoding="utf-8"?>
+<p:sld xmlns:a="http://schemas.openxmlformats.org/drawingml/2006/main" xmlns:r="http://schemas.openxmlformats.org/officeDocument/2006/relationships" xmlns:p="http://schemas.openxmlformats.org/presentationml/2006/main" show="0">
+  <p:cSld>
+    <p:spTree>
+      <p:nvGrpSpPr>
+        <p:cNvPr id="1" name=""/>
+        <p:cNvGrpSpPr/>
+        <p:nvPr/>
+      </p:nvGrpSpPr>
+      <p:grpSpPr>
+        <a:xfrm>
+          <a:off x="0" y="0"/>
+          <a:ext cx="0" cy="0"/>
+          <a:chOff x="0" y="0"/>
+          <a:chExt cx="0" cy="0"/>
+        </a:xfrm>
+      </p:grpSpPr>
       <p:grpSp>
         <p:nvGrpSpPr>
           <p:cNvPr id="7" name="组合 6"/>
@@ -3457,24 +6880,19 @@
                 <a:prstGeom prst="rect">
                   <a:avLst/>
                 </a:prstGeom>
-                <a:solidFill>
-                  <a:srgbClr val="9DC3E6"/>
-                </a:solidFill>
               </p:spPr>
               <p:style>
                 <a:lnRef idx="2">
-                  <a:schemeClr val="accent1">
-                    <a:shade val="50000"/>
-                  </a:schemeClr>
+                  <a:schemeClr val="dk1"/>
                 </a:lnRef>
                 <a:fillRef idx="1">
-                  <a:schemeClr val="accent1"/>
+                  <a:schemeClr val="lt1"/>
                 </a:fillRef>
                 <a:effectRef idx="0">
-                  <a:schemeClr val="accent1"/>
+                  <a:schemeClr val="dk1"/>
                 </a:effectRef>
                 <a:fontRef idx="minor">
-                  <a:schemeClr val="lt1"/>
+                  <a:schemeClr val="dk1"/>
                 </a:fontRef>
               </p:style>
               <p:txBody>
@@ -3516,24 +6934,19 @@
                 <a:prstGeom prst="rect">
                   <a:avLst/>
                 </a:prstGeom>
-                <a:solidFill>
-                  <a:srgbClr val="9DC3E6"/>
-                </a:solidFill>
               </p:spPr>
               <p:style>
                 <a:lnRef idx="2">
-                  <a:schemeClr val="accent1">
-                    <a:shade val="50000"/>
-                  </a:schemeClr>
+                  <a:schemeClr val="dk1"/>
                 </a:lnRef>
                 <a:fillRef idx="1">
-                  <a:schemeClr val="accent1"/>
+                  <a:schemeClr val="lt1"/>
                 </a:fillRef>
                 <a:effectRef idx="0">
-                  <a:schemeClr val="accent1"/>
+                  <a:schemeClr val="dk1"/>
                 </a:effectRef>
                 <a:fontRef idx="minor">
-                  <a:schemeClr val="lt1"/>
+                  <a:schemeClr val="dk1"/>
                 </a:fontRef>
               </p:style>
               <p:txBody>
@@ -3575,24 +6988,19 @@
                 <a:prstGeom prst="rect">
                   <a:avLst/>
                 </a:prstGeom>
-                <a:solidFill>
-                  <a:srgbClr val="9DC3E6"/>
-                </a:solidFill>
               </p:spPr>
               <p:style>
                 <a:lnRef idx="2">
-                  <a:schemeClr val="accent1">
-                    <a:shade val="50000"/>
-                  </a:schemeClr>
+                  <a:schemeClr val="dk1"/>
                 </a:lnRef>
                 <a:fillRef idx="1">
-                  <a:schemeClr val="accent1"/>
+                  <a:schemeClr val="lt1"/>
                 </a:fillRef>
                 <a:effectRef idx="0">
-                  <a:schemeClr val="accent1"/>
+                  <a:schemeClr val="dk1"/>
                 </a:effectRef>
                 <a:fontRef idx="minor">
-                  <a:schemeClr val="lt1"/>
+                  <a:schemeClr val="dk1"/>
                 </a:fontRef>
               </p:style>
               <p:txBody>
@@ -3634,24 +7042,19 @@
                 <a:prstGeom prst="rect">
                   <a:avLst/>
                 </a:prstGeom>
-                <a:solidFill>
-                  <a:srgbClr val="9DC3E6"/>
-                </a:solidFill>
               </p:spPr>
               <p:style>
                 <a:lnRef idx="2">
-                  <a:schemeClr val="accent1">
-                    <a:shade val="50000"/>
-                  </a:schemeClr>
+                  <a:schemeClr val="dk1"/>
                 </a:lnRef>
                 <a:fillRef idx="1">
-                  <a:schemeClr val="accent1"/>
+                  <a:schemeClr val="lt1"/>
                 </a:fillRef>
                 <a:effectRef idx="0">
-                  <a:schemeClr val="accent1"/>
+                  <a:schemeClr val="dk1"/>
                 </a:effectRef>
                 <a:fontRef idx="minor">
-                  <a:schemeClr val="lt1"/>
+                  <a:schemeClr val="dk1"/>
                 </a:fontRef>
               </p:style>
               <p:txBody>
@@ -3698,24 +7101,19 @@
                 <a:prstGeom prst="rect">
                   <a:avLst/>
                 </a:prstGeom>
-                <a:solidFill>
-                  <a:srgbClr val="9DC3E6"/>
-                </a:solidFill>
               </p:spPr>
               <p:style>
                 <a:lnRef idx="2">
-                  <a:schemeClr val="accent1">
-                    <a:shade val="50000"/>
-                  </a:schemeClr>
+                  <a:schemeClr val="dk1"/>
                 </a:lnRef>
                 <a:fillRef idx="1">
-                  <a:schemeClr val="accent1"/>
+                  <a:schemeClr val="lt1"/>
                 </a:fillRef>
                 <a:effectRef idx="0">
-                  <a:schemeClr val="accent1"/>
+                  <a:schemeClr val="dk1"/>
                 </a:effectRef>
                 <a:fontRef idx="minor">
-                  <a:schemeClr val="lt1"/>
+                  <a:schemeClr val="dk1"/>
                 </a:fontRef>
               </p:style>
               <p:txBody>
@@ -3783,6 +7181,11 @@
                     <a:lumOff val="40000"/>
                   </a:schemeClr>
                 </a:solidFill>
+                <a:ln>
+                  <a:solidFill>
+                    <a:schemeClr val="tx1"/>
+                  </a:solidFill>
+                </a:ln>
               </p:spPr>
               <p:style>
                 <a:lnRef idx="2">
@@ -3849,24 +7252,19 @@
                 <a:prstGeom prst="rect">
                   <a:avLst/>
                 </a:prstGeom>
-                <a:solidFill>
-                  <a:srgbClr val="9DC3E6"/>
-                </a:solidFill>
               </p:spPr>
               <p:style>
                 <a:lnRef idx="2">
-                  <a:schemeClr val="accent1">
-                    <a:shade val="50000"/>
-                  </a:schemeClr>
+                  <a:schemeClr val="dk1"/>
                 </a:lnRef>
                 <a:fillRef idx="1">
-                  <a:schemeClr val="accent1"/>
+                  <a:schemeClr val="lt1"/>
                 </a:fillRef>
                 <a:effectRef idx="0">
-                  <a:schemeClr val="accent1"/>
+                  <a:schemeClr val="dk1"/>
                 </a:effectRef>
                 <a:fontRef idx="minor">
-                  <a:schemeClr val="lt1"/>
+                  <a:schemeClr val="dk1"/>
                 </a:fontRef>
               </p:style>
               <p:txBody>
@@ -3914,6 +7312,11 @@
                     <a:lumOff val="40000"/>
                   </a:schemeClr>
                 </a:solidFill>
+                <a:ln>
+                  <a:solidFill>
+                    <a:schemeClr val="tx1"/>
+                  </a:solidFill>
+                </a:ln>
               </p:spPr>
               <p:style>
                 <a:lnRef idx="2">
@@ -3980,24 +7383,19 @@
                 <a:prstGeom prst="rect">
                   <a:avLst/>
                 </a:prstGeom>
-                <a:solidFill>
-                  <a:srgbClr val="9DC3E6"/>
-                </a:solidFill>
               </p:spPr>
               <p:style>
                 <a:lnRef idx="2">
-                  <a:schemeClr val="accent1">
-                    <a:shade val="50000"/>
-                  </a:schemeClr>
+                  <a:schemeClr val="dk1"/>
                 </a:lnRef>
                 <a:fillRef idx="1">
-                  <a:schemeClr val="accent1"/>
+                  <a:schemeClr val="lt1"/>
                 </a:fillRef>
                 <a:effectRef idx="0">
-                  <a:schemeClr val="accent1"/>
+                  <a:schemeClr val="dk1"/>
                 </a:effectRef>
                 <a:fontRef idx="minor">
-                  <a:schemeClr val="lt1"/>
+                  <a:schemeClr val="dk1"/>
                 </a:fontRef>
               </p:style>
               <p:txBody>
@@ -4044,24 +7442,19 @@
                 <a:prstGeom prst="rect">
                   <a:avLst/>
                 </a:prstGeom>
-                <a:solidFill>
-                  <a:srgbClr val="9DC3E6"/>
-                </a:solidFill>
               </p:spPr>
               <p:style>
                 <a:lnRef idx="2">
-                  <a:schemeClr val="accent1">
-                    <a:shade val="50000"/>
-                  </a:schemeClr>
+                  <a:schemeClr val="dk1"/>
                 </a:lnRef>
                 <a:fillRef idx="1">
-                  <a:schemeClr val="accent1"/>
+                  <a:schemeClr val="lt1"/>
                 </a:fillRef>
                 <a:effectRef idx="0">
-                  <a:schemeClr val="accent1"/>
+                  <a:schemeClr val="dk1"/>
                 </a:effectRef>
                 <a:fontRef idx="minor">
-                  <a:schemeClr val="lt1"/>
+                  <a:schemeClr val="dk1"/>
                 </a:fontRef>
               </p:style>
               <p:txBody>
@@ -4123,78 +7516,6 @@
                   <a:chExt cx="1035698" cy="2472610"/>
                 </a:xfrm>
               </p:grpSpPr>
-              <p:sp>
-                <p:nvSpPr>
-                  <p:cNvPr id="30" name="矩形 29"/>
-                  <p:cNvSpPr/>
-                  <p:nvPr/>
-                </p:nvSpPr>
-                <p:spPr>
-                  <a:xfrm>
-                    <a:off x="1222310" y="1268964"/>
-                    <a:ext cx="1035698" cy="494522"/>
-                  </a:xfrm>
-                  <a:prstGeom prst="rect">
-                    <a:avLst/>
-                  </a:prstGeom>
-                  <a:solidFill>
-                    <a:schemeClr val="accent4">
-                      <a:lumMod val="60000"/>
-                      <a:lumOff val="40000"/>
-                    </a:schemeClr>
-                  </a:solidFill>
-                </p:spPr>
-                <p:style>
-                  <a:lnRef idx="2">
-                    <a:schemeClr val="accent1">
-                      <a:shade val="50000"/>
-                    </a:schemeClr>
-                  </a:lnRef>
-                  <a:fillRef idx="1">
-                    <a:schemeClr val="accent1"/>
-                  </a:fillRef>
-                  <a:effectRef idx="0">
-                    <a:schemeClr val="accent1"/>
-                  </a:effectRef>
-                  <a:fontRef idx="minor">
-                    <a:schemeClr val="lt1"/>
-                  </a:fontRef>
-                </p:style>
-                <p:txBody>
-                  <a:bodyPr rtlCol="0" anchor="ctr"/>
-                  <a:lstStyle/>
-                  <a:p>
-                    <a:pPr algn="ctr"/>
-                    <a:r>
-                      <a:rPr lang="en-US" altLang="zh-CN" dirty="0">
-                        <a:solidFill>
-                          <a:schemeClr val="tx1"/>
-                        </a:solidFill>
-                        <a:latin typeface="Times New Roman" panose="02020603050405020304" pitchFamily="18" charset="0"/>
-                        <a:cs typeface="Times New Roman" panose="02020603050405020304" pitchFamily="18" charset="0"/>
-                      </a:rPr>
-                      <a:t>Field A</a:t>
-                    </a:r>
-                    <a:r>
-                      <a:rPr lang="en-US" altLang="zh-CN" baseline="-25000" dirty="0">
-                        <a:solidFill>
-                          <a:schemeClr val="tx1"/>
-                        </a:solidFill>
-                        <a:latin typeface="Times New Roman" panose="02020603050405020304" pitchFamily="18" charset="0"/>
-                        <a:cs typeface="Times New Roman" panose="02020603050405020304" pitchFamily="18" charset="0"/>
-                      </a:rPr>
-                      <a:t>2</a:t>
-                    </a:r>
-                    <a:endParaRPr lang="zh-CN" altLang="en-US" baseline="-25000" dirty="0">
-                      <a:solidFill>
-                        <a:schemeClr val="tx1"/>
-                      </a:solidFill>
-                      <a:latin typeface="Times New Roman" panose="02020603050405020304" pitchFamily="18" charset="0"/>
-                      <a:cs typeface="Times New Roman" panose="02020603050405020304" pitchFamily="18" charset="0"/>
-                    </a:endParaRPr>
-                  </a:p>
-                </p:txBody>
-              </p:sp>
               <p:sp>
                 <p:nvSpPr>
                   <p:cNvPr id="31" name="矩形 30"/>
@@ -4275,24 +7596,19 @@
                   <a:prstGeom prst="rect">
                     <a:avLst/>
                   </a:prstGeom>
-                  <a:solidFill>
-                    <a:srgbClr val="9DC3E6"/>
-                  </a:solidFill>
                 </p:spPr>
                 <p:style>
                   <a:lnRef idx="2">
-                    <a:schemeClr val="accent1">
-                      <a:shade val="50000"/>
-                    </a:schemeClr>
+                    <a:schemeClr val="dk1"/>
                   </a:lnRef>
                   <a:fillRef idx="1">
-                    <a:schemeClr val="accent1"/>
+                    <a:schemeClr val="lt1"/>
                   </a:fillRef>
                   <a:effectRef idx="0">
-                    <a:schemeClr val="accent1"/>
+                    <a:schemeClr val="dk1"/>
                   </a:effectRef>
                   <a:fontRef idx="minor">
-                    <a:schemeClr val="lt1"/>
+                    <a:schemeClr val="dk1"/>
                   </a:fontRef>
                 </p:style>
                 <p:txBody>
@@ -4335,11 +7651,13 @@
                     <a:avLst/>
                   </a:prstGeom>
                   <a:solidFill>
-                    <a:schemeClr val="accent6">
-                      <a:lumMod val="60000"/>
-                      <a:lumOff val="40000"/>
-                    </a:schemeClr>
+                    <a:schemeClr val="accent1"/>
                   </a:solidFill>
+                  <a:ln>
+                    <a:solidFill>
+                      <a:schemeClr val="tx1"/>
+                    </a:solidFill>
+                  </a:ln>
                 </p:spPr>
                 <p:style>
                   <a:lnRef idx="2">
@@ -4370,7 +7688,7 @@
                     <a:r>
                       <a:rPr lang="en-US" altLang="zh-CN" dirty="0">
                         <a:solidFill>
-                          <a:schemeClr val="tx1"/>
+                          <a:schemeClr val="bg1"/>
                         </a:solidFill>
                         <a:latin typeface="Times New Roman" panose="02020603050405020304" pitchFamily="18" charset="0"/>
                         <a:cs typeface="Times New Roman" panose="02020603050405020304" pitchFamily="18" charset="0"/>
@@ -4379,7 +7697,7 @@
                     </a:r>
                     <a:endParaRPr lang="zh-CN" altLang="en-US" dirty="0">
                       <a:solidFill>
-                        <a:schemeClr val="tx1"/>
+                        <a:schemeClr val="bg1"/>
                       </a:solidFill>
                       <a:latin typeface="Times New Roman" panose="02020603050405020304" pitchFamily="18" charset="0"/>
                       <a:cs typeface="Times New Roman" panose="02020603050405020304" pitchFamily="18" charset="0"/>
@@ -4401,24 +7719,19 @@
                   <a:prstGeom prst="rect">
                     <a:avLst/>
                   </a:prstGeom>
-                  <a:solidFill>
-                    <a:srgbClr val="9DC3E6"/>
-                  </a:solidFill>
                 </p:spPr>
                 <p:style>
                   <a:lnRef idx="2">
-                    <a:schemeClr val="accent1">
-                      <a:shade val="50000"/>
-                    </a:schemeClr>
+                    <a:schemeClr val="dk1"/>
                   </a:lnRef>
                   <a:fillRef idx="1">
-                    <a:schemeClr val="accent1"/>
+                    <a:schemeClr val="lt1"/>
                   </a:fillRef>
                   <a:effectRef idx="0">
-                    <a:schemeClr val="accent1"/>
+                    <a:schemeClr val="dk1"/>
                   </a:effectRef>
                   <a:fontRef idx="minor">
-                    <a:schemeClr val="lt1"/>
+                    <a:schemeClr val="dk1"/>
                   </a:fontRef>
                 </p:style>
                 <p:txBody>
@@ -4451,6 +7764,83 @@
                   </a:p>
                 </p:txBody>
               </p:sp>
+              <p:sp>
+                <p:nvSpPr>
+                  <p:cNvPr id="30" name="矩形 29"/>
+                  <p:cNvSpPr/>
+                  <p:nvPr/>
+                </p:nvSpPr>
+                <p:spPr>
+                  <a:xfrm>
+                    <a:off x="1222310" y="1268964"/>
+                    <a:ext cx="1035698" cy="494522"/>
+                  </a:xfrm>
+                  <a:prstGeom prst="rect">
+                    <a:avLst/>
+                  </a:prstGeom>
+                  <a:solidFill>
+                    <a:schemeClr val="accent4">
+                      <a:lumMod val="60000"/>
+                      <a:lumOff val="40000"/>
+                    </a:schemeClr>
+                  </a:solidFill>
+                  <a:ln>
+                    <a:solidFill>
+                      <a:schemeClr val="tx1"/>
+                    </a:solidFill>
+                  </a:ln>
+                </p:spPr>
+                <p:style>
+                  <a:lnRef idx="2">
+                    <a:schemeClr val="accent1">
+                      <a:shade val="50000"/>
+                    </a:schemeClr>
+                  </a:lnRef>
+                  <a:fillRef idx="1">
+                    <a:schemeClr val="accent1"/>
+                  </a:fillRef>
+                  <a:effectRef idx="0">
+                    <a:schemeClr val="accent1"/>
+                  </a:effectRef>
+                  <a:fontRef idx="minor">
+                    <a:schemeClr val="lt1"/>
+                  </a:fontRef>
+                </p:style>
+                <p:txBody>
+                  <a:bodyPr rtlCol="0" anchor="ctr"/>
+                  <a:lstStyle/>
+                  <a:p>
+                    <a:pPr algn="ctr"/>
+                    <a:r>
+                      <a:rPr lang="en-US" altLang="zh-CN" dirty="0">
+                        <a:solidFill>
+                          <a:schemeClr val="tx1"/>
+                        </a:solidFill>
+                        <a:latin typeface="Times New Roman" panose="02020603050405020304" pitchFamily="18" charset="0"/>
+                        <a:cs typeface="Times New Roman" panose="02020603050405020304" pitchFamily="18" charset="0"/>
+                      </a:rPr>
+                      <a:t>Field A</a:t>
+                    </a:r>
+                    <a:r>
+                      <a:rPr lang="en-US" altLang="zh-CN" baseline="-25000" dirty="0">
+                        <a:solidFill>
+                          <a:schemeClr val="tx1"/>
+                        </a:solidFill>
+                        <a:latin typeface="Times New Roman" panose="02020603050405020304" pitchFamily="18" charset="0"/>
+                        <a:cs typeface="Times New Roman" panose="02020603050405020304" pitchFamily="18" charset="0"/>
+                      </a:rPr>
+                      <a:t>2</a:t>
+                    </a:r>
+                    <a:endParaRPr lang="zh-CN" altLang="en-US" baseline="-25000" dirty="0">
+                      <a:solidFill>
+                        <a:schemeClr val="tx1"/>
+                      </a:solidFill>
+                      <a:latin typeface="Times New Roman" panose="02020603050405020304" pitchFamily="18" charset="0"/>
+                      <a:cs typeface="Times New Roman" panose="02020603050405020304" pitchFamily="18" charset="0"/>
+                    </a:endParaRPr>
+                  </a:p>
+                </p:txBody>
+              </p:sp>
             </p:grpSp>
             <p:sp>
               <p:nvSpPr>
@@ -4466,24 +7856,19 @@
                 <a:prstGeom prst="rect">
                   <a:avLst/>
                 </a:prstGeom>
-                <a:solidFill>
-                  <a:srgbClr val="9DC3E6"/>
-                </a:solidFill>
               </p:spPr>
               <p:style>
                 <a:lnRef idx="2">
-                  <a:schemeClr val="accent1">
-                    <a:shade val="50000"/>
-                  </a:schemeClr>
+                  <a:schemeClr val="dk1"/>
                 </a:lnRef>
                 <a:fillRef idx="1">
-                  <a:schemeClr val="accent1"/>
+                  <a:schemeClr val="lt1"/>
                 </a:fillRef>
                 <a:effectRef idx="0">
-                  <a:schemeClr val="accent1"/>
+                  <a:schemeClr val="dk1"/>
                 </a:effectRef>
                 <a:fontRef idx="minor">
-                  <a:schemeClr val="lt1"/>
+                  <a:schemeClr val="dk1"/>
                 </a:fontRef>
               </p:style>
               <p:txBody>
@@ -4551,6 +7936,11 @@
                     <a:lumOff val="40000"/>
                   </a:schemeClr>
                 </a:solidFill>
+                <a:ln>
+                  <a:solidFill>
+                    <a:schemeClr val="tx1"/>
+                  </a:solidFill>
+                </a:ln>
               </p:spPr>
               <p:style>
                 <a:lnRef idx="2">
@@ -4623,6 +8013,11 @@
                     <a:lumOff val="40000"/>
                   </a:schemeClr>
                 </a:solidFill>
+                <a:ln>
+                  <a:solidFill>
+                    <a:schemeClr val="tx1"/>
+                  </a:solidFill>
+                </a:ln>
               </p:spPr>
               <p:style>
                 <a:lnRef idx="2">
@@ -4690,11 +8085,13 @@
                   <a:avLst/>
                 </a:prstGeom>
                 <a:solidFill>
-                  <a:schemeClr val="accent6">
-                    <a:lumMod val="60000"/>
-                    <a:lumOff val="40000"/>
-                  </a:schemeClr>
+                  <a:schemeClr val="accent1"/>
                 </a:solidFill>
+                <a:ln>
+                  <a:solidFill>
+                    <a:schemeClr val="tx1"/>
+                  </a:solidFill>
+                </a:ln>
               </p:spPr>
               <p:style>
                 <a:lnRef idx="2">
@@ -4720,7 +8117,7 @@
                   <a:r>
                     <a:rPr lang="en-US" altLang="zh-CN" dirty="0">
                       <a:solidFill>
-                        <a:schemeClr val="tx1"/>
+                        <a:schemeClr val="bg1"/>
                       </a:solidFill>
                       <a:latin typeface="Times New Roman" panose="02020603050405020304" pitchFamily="18" charset="0"/>
                       <a:cs typeface="Times New Roman" panose="02020603050405020304" pitchFamily="18" charset="0"/>
@@ -4729,7 +8126,7 @@
                   </a:r>
                   <a:endParaRPr lang="zh-CN" altLang="en-US" dirty="0">
                     <a:solidFill>
-                      <a:schemeClr val="tx1"/>
+                      <a:schemeClr val="bg1"/>
                     </a:solidFill>
                     <a:latin typeface="Times New Roman" panose="02020603050405020304" pitchFamily="18" charset="0"/>
                     <a:cs typeface="Times New Roman" panose="02020603050405020304" pitchFamily="18" charset="0"/>
@@ -4751,24 +8148,19 @@
                 <a:prstGeom prst="rect">
                   <a:avLst/>
                 </a:prstGeom>
-                <a:solidFill>
-                  <a:srgbClr val="9DC3E6"/>
-                </a:solidFill>
               </p:spPr>
               <p:style>
                 <a:lnRef idx="2">
-                  <a:schemeClr val="accent1">
-                    <a:shade val="50000"/>
-                  </a:schemeClr>
+                  <a:schemeClr val="dk1"/>
                 </a:lnRef>
                 <a:fillRef idx="1">
-                  <a:schemeClr val="accent1"/>
+                  <a:schemeClr val="lt1"/>
                 </a:fillRef>
                 <a:effectRef idx="0">
-                  <a:schemeClr val="accent1"/>
+                  <a:schemeClr val="dk1"/>
                 </a:effectRef>
                 <a:fontRef idx="minor">
-                  <a:schemeClr val="lt1"/>
+                  <a:schemeClr val="dk1"/>
                 </a:fontRef>
               </p:style>
               <p:txBody>
@@ -4815,24 +8207,19 @@
                 <a:prstGeom prst="rect">
                   <a:avLst/>
                 </a:prstGeom>
-                <a:solidFill>
-                  <a:srgbClr val="9DC3E6"/>
-                </a:solidFill>
               </p:spPr>
               <p:style>
                 <a:lnRef idx="2">
-                  <a:schemeClr val="accent1">
-                    <a:shade val="50000"/>
-                  </a:schemeClr>
+                  <a:schemeClr val="dk1"/>
                 </a:lnRef>
                 <a:fillRef idx="1">
-                  <a:schemeClr val="accent1"/>
+                  <a:schemeClr val="lt1"/>
                 </a:fillRef>
                 <a:effectRef idx="0">
-                  <a:schemeClr val="accent1"/>
+                  <a:schemeClr val="dk1"/>
                 </a:effectRef>
                 <a:fontRef idx="minor">
-                  <a:schemeClr val="lt1"/>
+                  <a:schemeClr val="dk1"/>
                 </a:fontRef>
               </p:style>
               <p:txBody>
@@ -5274,7 +8661,7 @@
             <a:lstStyle/>
             <a:p>
               <a:r>
-                <a:rPr lang="en-US" altLang="zh-CN" dirty="0" smtClean="0">
+                <a:rPr lang="en-US" altLang="zh-CN" dirty="0">
                   <a:latin typeface="Times New Roman" panose="02020603050405020304" pitchFamily="18" charset="0"/>
                   <a:cs typeface="Times New Roman" panose="02020603050405020304" pitchFamily="18" charset="0"/>
                 </a:rPr>
@@ -5288,7 +8675,7 @@
                 <a:t>2</a:t>
               </a:r>
               <a:r>
-                <a:rPr lang="en-US" altLang="zh-CN" dirty="0" smtClean="0">
+                <a:rPr lang="en-US" altLang="zh-CN" dirty="0">
                   <a:latin typeface="Times New Roman" panose="02020603050405020304" pitchFamily="18" charset="0"/>
                   <a:cs typeface="Times New Roman" panose="02020603050405020304" pitchFamily="18" charset="0"/>
                 </a:rPr>
@@ -5324,21 +8711,21 @@
             <a:lstStyle/>
             <a:p>
               <a:r>
-                <a:rPr lang="en-US" altLang="zh-CN" dirty="0" smtClean="0">
+                <a:rPr lang="en-US" altLang="zh-CN" dirty="0">
                   <a:latin typeface="Times New Roman" panose="02020603050405020304" pitchFamily="18" charset="0"/>
                   <a:cs typeface="Times New Roman" panose="02020603050405020304" pitchFamily="18" charset="0"/>
                 </a:rPr>
                 <a:t>ID</a:t>
               </a:r>
               <a:r>
-                <a:rPr lang="en-US" altLang="zh-CN" baseline="-25000" dirty="0" smtClean="0">
+                <a:rPr lang="en-US" altLang="zh-CN" baseline="-25000" dirty="0">
                   <a:latin typeface="Times New Roman" panose="02020603050405020304" pitchFamily="18" charset="0"/>
                   <a:cs typeface="Times New Roman" panose="02020603050405020304" pitchFamily="18" charset="0"/>
                 </a:rPr>
                 <a:t>2</a:t>
               </a:r>
               <a:r>
-                <a:rPr lang="en-US" altLang="zh-CN" dirty="0" smtClean="0">
+                <a:rPr lang="en-US" altLang="zh-CN" dirty="0">
                   <a:latin typeface="Times New Roman" panose="02020603050405020304" pitchFamily="18" charset="0"/>
                   <a:cs typeface="Times New Roman" panose="02020603050405020304" pitchFamily="18" charset="0"/>
                 </a:rPr>
@@ -5374,21 +8761,21 @@
             <a:lstStyle/>
             <a:p>
               <a:r>
-                <a:rPr lang="en-US" altLang="zh-CN" dirty="0" smtClean="0">
+                <a:rPr lang="en-US" altLang="zh-CN" dirty="0">
                   <a:latin typeface="Times New Roman" panose="02020603050405020304" pitchFamily="18" charset="0"/>
                   <a:cs typeface="Times New Roman" panose="02020603050405020304" pitchFamily="18" charset="0"/>
                 </a:rPr>
                 <a:t>ID</a:t>
               </a:r>
               <a:r>
-                <a:rPr lang="en-US" altLang="zh-CN" baseline="-25000" dirty="0" smtClean="0">
+                <a:rPr lang="en-US" altLang="zh-CN" baseline="-25000" dirty="0">
                   <a:latin typeface="Times New Roman" panose="02020603050405020304" pitchFamily="18" charset="0"/>
                   <a:cs typeface="Times New Roman" panose="02020603050405020304" pitchFamily="18" charset="0"/>
                 </a:rPr>
                 <a:t>2</a:t>
               </a:r>
               <a:r>
-                <a:rPr lang="en-US" altLang="zh-CN" dirty="0" smtClean="0">
+                <a:rPr lang="en-US" altLang="zh-CN" dirty="0">
                   <a:latin typeface="Times New Roman" panose="02020603050405020304" pitchFamily="18" charset="0"/>
                   <a:cs typeface="Times New Roman" panose="02020603050405020304" pitchFamily="18" charset="0"/>
                 </a:rPr>
@@ -5405,7 +8792,7 @@
     </p:spTree>
     <p:extLst>
       <p:ext uri="{BB962C8B-B14F-4D97-AF65-F5344CB8AC3E}">
-        <p14:creationId xmlns:p14="http://schemas.microsoft.com/office/powerpoint/2010/main" val="790687604"/>
+        <p14:creationId xmlns:p14="http://schemas.microsoft.com/office/powerpoint/2010/main" val="3920349362"/>
       </p:ext>
     </p:extLst>
   </p:cSld>
